--- a/CleanADCDICE/figures/DICEFigures.pptx
+++ b/CleanADCDICE/figures/DICEFigures.pptx
@@ -10,10 +10,10 @@
   <p:sldIdLst>
     <p:sldId id="1320" r:id="rId2"/>
     <p:sldId id="1328" r:id="rId3"/>
-    <p:sldId id="1341" r:id="rId4"/>
+    <p:sldId id="1345" r:id="rId4"/>
     <p:sldId id="1324" r:id="rId5"/>
-    <p:sldId id="1331" r:id="rId6"/>
-    <p:sldId id="1330" r:id="rId7"/>
+    <p:sldId id="1343" r:id="rId6"/>
+    <p:sldId id="1344" r:id="rId7"/>
     <p:sldId id="1325" r:id="rId8"/>
     <p:sldId id="1342" r:id="rId9"/>
     <p:sldId id="1334" r:id="rId10"/>
@@ -3874,10 +3874,10 @@
       </p:sp>
       <p:grpSp>
         <p:nvGrpSpPr>
-          <p:cNvPr id="3" name="Group 2">
-            <a:extLst>
-              <a:ext uri="{FF2B5EF4-FFF2-40B4-BE49-F238E27FC236}">
-                <a16:creationId xmlns:a16="http://schemas.microsoft.com/office/drawing/2014/main" id="{B4EC7E4C-8934-964C-9A3A-6B172C6D928D}"/>
+          <p:cNvPr id="6" name="Group 5">
+            <a:extLst>
+              <a:ext uri="{FF2B5EF4-FFF2-40B4-BE49-F238E27FC236}">
+                <a16:creationId xmlns:a16="http://schemas.microsoft.com/office/drawing/2014/main" id="{1461357B-1108-2AF0-FE0A-0E682D061F4A}"/>
               </a:ext>
             </a:extLst>
           </p:cNvPr>
@@ -3886,18 +3886,18 @@
         </p:nvGrpSpPr>
         <p:grpSpPr>
           <a:xfrm>
-            <a:off x="432976" y="1095159"/>
-            <a:ext cx="10789859" cy="4989510"/>
-            <a:chOff x="432976" y="1095159"/>
-            <a:chExt cx="10789859" cy="4989510"/>
+            <a:off x="281354" y="918916"/>
+            <a:ext cx="11079799" cy="5373278"/>
+            <a:chOff x="281354" y="918916"/>
+            <a:chExt cx="11079799" cy="5373278"/>
           </a:xfrm>
         </p:grpSpPr>
         <p:grpSp>
           <p:nvGrpSpPr>
-            <p:cNvPr id="19" name="Group 18">
+            <p:cNvPr id="3" name="Group 2">
               <a:extLst>
                 <a:ext uri="{FF2B5EF4-FFF2-40B4-BE49-F238E27FC236}">
-                  <a16:creationId xmlns:a16="http://schemas.microsoft.com/office/drawing/2014/main" id="{B40FB5FD-824F-C54B-BC76-704739645E4E}"/>
+                  <a16:creationId xmlns:a16="http://schemas.microsoft.com/office/drawing/2014/main" id="{B4EC7E4C-8934-964C-9A3A-6B172C6D928D}"/>
                 </a:ext>
               </a:extLst>
             </p:cNvPr>
@@ -3906,47 +3906,188 @@
           </p:nvGrpSpPr>
           <p:grpSpPr>
             <a:xfrm>
-              <a:off x="432976" y="1095159"/>
-              <a:ext cx="10789859" cy="4705566"/>
-              <a:chOff x="432976" y="1095159"/>
-              <a:chExt cx="10789859" cy="4705566"/>
+              <a:off x="281354" y="918916"/>
+              <a:ext cx="9072576" cy="5373278"/>
+              <a:chOff x="324040" y="932564"/>
+              <a:chExt cx="9072576" cy="5373278"/>
             </a:xfrm>
           </p:grpSpPr>
-          <p:pic>
-            <p:nvPicPr>
-              <p:cNvPr id="9" name="Picture 8">
+          <p:grpSp>
+            <p:nvGrpSpPr>
+              <p:cNvPr id="19" name="Group 18">
                 <a:extLst>
                   <a:ext uri="{FF2B5EF4-FFF2-40B4-BE49-F238E27FC236}">
-                    <a16:creationId xmlns:a16="http://schemas.microsoft.com/office/drawing/2014/main" id="{A14A7EBA-21AF-A248-8D90-AB504E318792}"/>
+                    <a16:creationId xmlns:a16="http://schemas.microsoft.com/office/drawing/2014/main" id="{B40FB5FD-824F-C54B-BC76-704739645E4E}"/>
                   </a:ext>
                 </a:extLst>
               </p:cNvPr>
-              <p:cNvPicPr>
-                <a:picLocks noChangeAspect="1"/>
-              </p:cNvPicPr>
+              <p:cNvGrpSpPr/>
               <p:nvPr/>
-            </p:nvPicPr>
-            <p:blipFill rotWithShape="1">
-              <a:blip r:embed="rId2"/>
-              <a:srcRect l="831" t="-1518" r="-831" b="5509"/>
-              <a:stretch/>
-            </p:blipFill>
-            <p:spPr>
+            </p:nvGrpSpPr>
+            <p:grpSpPr>
               <a:xfrm>
-                <a:off x="4973691" y="1297686"/>
-                <a:ext cx="6249144" cy="4503039"/>
+                <a:off x="446771" y="932564"/>
+                <a:ext cx="8949845" cy="4157762"/>
+                <a:chOff x="446771" y="932564"/>
+                <a:chExt cx="8949845" cy="4157762"/>
               </a:xfrm>
-              <a:prstGeom prst="rect">
-                <a:avLst/>
-              </a:prstGeom>
-            </p:spPr>
-          </p:pic>
+            </p:grpSpPr>
+            <p:pic>
+              <p:nvPicPr>
+                <p:cNvPr id="12" name="Picture 11">
+                  <a:extLst>
+                    <a:ext uri="{FF2B5EF4-FFF2-40B4-BE49-F238E27FC236}">
+                      <a16:creationId xmlns:a16="http://schemas.microsoft.com/office/drawing/2014/main" id="{D2EDC3B2-D810-A14C-A768-551A153ACC79}"/>
+                    </a:ext>
+                  </a:extLst>
+                </p:cNvPr>
+                <p:cNvPicPr>
+                  <a:picLocks noChangeAspect="1"/>
+                </p:cNvPicPr>
+                <p:nvPr/>
+              </p:nvPicPr>
+              <p:blipFill rotWithShape="1">
+                <a:blip r:embed="rId2"/>
+                <a:srcRect l="1440" t="1462" r="54194" b="-1462"/>
+                <a:stretch/>
+              </p:blipFill>
+              <p:spPr>
+                <a:xfrm>
+                  <a:off x="446771" y="1301896"/>
+                  <a:ext cx="4304294" cy="3788430"/>
+                </a:xfrm>
+                <a:prstGeom prst="rect">
+                  <a:avLst/>
+                </a:prstGeom>
+              </p:spPr>
+            </p:pic>
+            <p:sp>
+              <p:nvSpPr>
+                <p:cNvPr id="16" name="TextBox 15">
+                  <a:extLst>
+                    <a:ext uri="{FF2B5EF4-FFF2-40B4-BE49-F238E27FC236}">
+                      <a16:creationId xmlns:a16="http://schemas.microsoft.com/office/drawing/2014/main" id="{93CBAA17-0324-9C4F-AC64-708E8118E80C}"/>
+                    </a:ext>
+                  </a:extLst>
+                </p:cNvPr>
+                <p:cNvSpPr txBox="1"/>
+                <p:nvPr/>
+              </p:nvSpPr>
+              <p:spPr>
+                <a:xfrm>
+                  <a:off x="1161147" y="932564"/>
+                  <a:ext cx="280461" cy="369332"/>
+                </a:xfrm>
+                <a:prstGeom prst="rect">
+                  <a:avLst/>
+                </a:prstGeom>
+                <a:noFill/>
+              </p:spPr>
+              <p:txBody>
+                <a:bodyPr wrap="square" rtlCol="0">
+                  <a:spAutoFit/>
+                </a:bodyPr>
+                <a:lstStyle/>
+                <a:p>
+                  <a:r>
+                    <a:rPr lang="en-US" b="1" dirty="0">
+                      <a:latin typeface="Helvetica" pitchFamily="2" charset="0"/>
+                    </a:rPr>
+                    <a:t>a</a:t>
+                  </a:r>
+                  <a:endParaRPr lang="en-US" sz="2400" b="1" dirty="0">
+                    <a:latin typeface="Helvetica" pitchFamily="2" charset="0"/>
+                  </a:endParaRPr>
+                </a:p>
+              </p:txBody>
+            </p:sp>
+            <p:sp>
+              <p:nvSpPr>
+                <p:cNvPr id="17" name="TextBox 16">
+                  <a:extLst>
+                    <a:ext uri="{FF2B5EF4-FFF2-40B4-BE49-F238E27FC236}">
+                      <a16:creationId xmlns:a16="http://schemas.microsoft.com/office/drawing/2014/main" id="{0AA72619-86D8-C441-A056-A825D0DA5C21}"/>
+                    </a:ext>
+                  </a:extLst>
+                </p:cNvPr>
+                <p:cNvSpPr txBox="1"/>
+                <p:nvPr/>
+              </p:nvSpPr>
+              <p:spPr>
+                <a:xfrm>
+                  <a:off x="6112608" y="932564"/>
+                  <a:ext cx="280461" cy="369332"/>
+                </a:xfrm>
+                <a:prstGeom prst="rect">
+                  <a:avLst/>
+                </a:prstGeom>
+                <a:noFill/>
+              </p:spPr>
+              <p:txBody>
+                <a:bodyPr wrap="square" rtlCol="0">
+                  <a:spAutoFit/>
+                </a:bodyPr>
+                <a:lstStyle/>
+                <a:p>
+                  <a:r>
+                    <a:rPr lang="en-US" b="1" dirty="0">
+                      <a:latin typeface="Helvetica" pitchFamily="2" charset="0"/>
+                    </a:rPr>
+                    <a:t>b</a:t>
+                  </a:r>
+                  <a:endParaRPr lang="en-US" sz="2400" b="1" dirty="0">
+                    <a:latin typeface="Helvetica" pitchFamily="2" charset="0"/>
+                  </a:endParaRPr>
+                </a:p>
+              </p:txBody>
+            </p:sp>
+            <p:sp>
+              <p:nvSpPr>
+                <p:cNvPr id="18" name="TextBox 17">
+                  <a:extLst>
+                    <a:ext uri="{FF2B5EF4-FFF2-40B4-BE49-F238E27FC236}">
+                      <a16:creationId xmlns:a16="http://schemas.microsoft.com/office/drawing/2014/main" id="{5FE41048-6B1B-7F45-9AF3-8E8C23A24529}"/>
+                    </a:ext>
+                  </a:extLst>
+                </p:cNvPr>
+                <p:cNvSpPr txBox="1"/>
+                <p:nvPr/>
+              </p:nvSpPr>
+              <p:spPr>
+                <a:xfrm>
+                  <a:off x="9116155" y="932564"/>
+                  <a:ext cx="280461" cy="369332"/>
+                </a:xfrm>
+                <a:prstGeom prst="rect">
+                  <a:avLst/>
+                </a:prstGeom>
+                <a:noFill/>
+              </p:spPr>
+              <p:txBody>
+                <a:bodyPr wrap="square" rtlCol="0">
+                  <a:spAutoFit/>
+                </a:bodyPr>
+                <a:lstStyle/>
+                <a:p>
+                  <a:r>
+                    <a:rPr lang="en-US" b="1" dirty="0">
+                      <a:latin typeface="Helvetica" pitchFamily="2" charset="0"/>
+                    </a:rPr>
+                    <a:t>c</a:t>
+                  </a:r>
+                  <a:endParaRPr lang="en-US" sz="2400" b="1" dirty="0">
+                    <a:latin typeface="Helvetica" pitchFamily="2" charset="0"/>
+                  </a:endParaRPr>
+                </a:p>
+              </p:txBody>
+            </p:sp>
+          </p:grpSp>
           <p:pic>
             <p:nvPicPr>
-              <p:cNvPr id="12" name="Picture 11">
+              <p:cNvPr id="10" name="Picture 9">
                 <a:extLst>
                   <a:ext uri="{FF2B5EF4-FFF2-40B4-BE49-F238E27FC236}">
-                    <a16:creationId xmlns:a16="http://schemas.microsoft.com/office/drawing/2014/main" id="{D2EDC3B2-D810-A14C-A768-551A153ACC79}"/>
+                    <a16:creationId xmlns:a16="http://schemas.microsoft.com/office/drawing/2014/main" id="{C3166792-F084-5845-9B49-C2F69AFB46A7}"/>
                   </a:ext>
                 </a:extLst>
               </p:cNvPr>
@@ -3957,146 +4098,26 @@
             </p:nvPicPr>
             <p:blipFill rotWithShape="1">
               <a:blip r:embed="rId3"/>
-              <a:srcRect l="-1280" t="-60" r="49860" b="60"/>
+              <a:srcRect l="50977" t="30536" r="2946" b="40685"/>
               <a:stretch/>
             </p:blipFill>
             <p:spPr>
               <a:xfrm>
-                <a:off x="432976" y="1333301"/>
-                <a:ext cx="4231715" cy="3657600"/>
+                <a:off x="324040" y="4941668"/>
+                <a:ext cx="4914248" cy="1364174"/>
               </a:xfrm>
               <a:prstGeom prst="rect">
                 <a:avLst/>
               </a:prstGeom>
             </p:spPr>
           </p:pic>
-          <p:sp>
-            <p:nvSpPr>
-              <p:cNvPr id="16" name="TextBox 15">
-                <a:extLst>
-                  <a:ext uri="{FF2B5EF4-FFF2-40B4-BE49-F238E27FC236}">
-                    <a16:creationId xmlns:a16="http://schemas.microsoft.com/office/drawing/2014/main" id="{93CBAA17-0324-9C4F-AC64-708E8118E80C}"/>
-                  </a:ext>
-                </a:extLst>
-              </p:cNvPr>
-              <p:cNvSpPr txBox="1"/>
-              <p:nvPr/>
-            </p:nvSpPr>
-            <p:spPr>
-              <a:xfrm>
-                <a:off x="1393159" y="1095159"/>
-                <a:ext cx="280461" cy="369332"/>
-              </a:xfrm>
-              <a:prstGeom prst="rect">
-                <a:avLst/>
-              </a:prstGeom>
-              <a:noFill/>
-            </p:spPr>
-            <p:txBody>
-              <a:bodyPr wrap="square" rtlCol="0">
-                <a:spAutoFit/>
-              </a:bodyPr>
-              <a:lstStyle/>
-              <a:p>
-                <a:r>
-                  <a:rPr lang="en-US" b="1" dirty="0">
-                    <a:latin typeface="Helvetica" pitchFamily="2" charset="0"/>
-                  </a:rPr>
-                  <a:t>a</a:t>
-                </a:r>
-                <a:endParaRPr lang="en-US" sz="2400" b="1" dirty="0">
-                  <a:latin typeface="Helvetica" pitchFamily="2" charset="0"/>
-                </a:endParaRPr>
-              </a:p>
-            </p:txBody>
-          </p:sp>
-          <p:sp>
-            <p:nvSpPr>
-              <p:cNvPr id="17" name="TextBox 16">
-                <a:extLst>
-                  <a:ext uri="{FF2B5EF4-FFF2-40B4-BE49-F238E27FC236}">
-                    <a16:creationId xmlns:a16="http://schemas.microsoft.com/office/drawing/2014/main" id="{0AA72619-86D8-C441-A056-A825D0DA5C21}"/>
-                  </a:ext>
-                </a:extLst>
-              </p:cNvPr>
-              <p:cNvSpPr txBox="1"/>
-              <p:nvPr/>
-            </p:nvSpPr>
-            <p:spPr>
-              <a:xfrm>
-                <a:off x="5591690" y="1095159"/>
-                <a:ext cx="280461" cy="369332"/>
-              </a:xfrm>
-              <a:prstGeom prst="rect">
-                <a:avLst/>
-              </a:prstGeom>
-              <a:noFill/>
-            </p:spPr>
-            <p:txBody>
-              <a:bodyPr wrap="square" rtlCol="0">
-                <a:spAutoFit/>
-              </a:bodyPr>
-              <a:lstStyle/>
-              <a:p>
-                <a:r>
-                  <a:rPr lang="en-US" b="1" dirty="0">
-                    <a:latin typeface="Helvetica" pitchFamily="2" charset="0"/>
-                  </a:rPr>
-                  <a:t>b</a:t>
-                </a:r>
-                <a:endParaRPr lang="en-US" sz="2400" b="1" dirty="0">
-                  <a:latin typeface="Helvetica" pitchFamily="2" charset="0"/>
-                </a:endParaRPr>
-              </a:p>
-            </p:txBody>
-          </p:sp>
-          <p:sp>
-            <p:nvSpPr>
-              <p:cNvPr id="18" name="TextBox 17">
-                <a:extLst>
-                  <a:ext uri="{FF2B5EF4-FFF2-40B4-BE49-F238E27FC236}">
-                    <a16:creationId xmlns:a16="http://schemas.microsoft.com/office/drawing/2014/main" id="{5FE41048-6B1B-7F45-9AF3-8E8C23A24529}"/>
-                  </a:ext>
-                </a:extLst>
-              </p:cNvPr>
-              <p:cNvSpPr txBox="1"/>
-              <p:nvPr/>
-            </p:nvSpPr>
-            <p:spPr>
-              <a:xfrm>
-                <a:off x="8633137" y="1095159"/>
-                <a:ext cx="280461" cy="369332"/>
-              </a:xfrm>
-              <a:prstGeom prst="rect">
-                <a:avLst/>
-              </a:prstGeom>
-              <a:noFill/>
-            </p:spPr>
-            <p:txBody>
-              <a:bodyPr wrap="square" rtlCol="0">
-                <a:spAutoFit/>
-              </a:bodyPr>
-              <a:lstStyle/>
-              <a:p>
-                <a:r>
-                  <a:rPr lang="en-US" b="1" dirty="0">
-                    <a:latin typeface="Helvetica" pitchFamily="2" charset="0"/>
-                  </a:rPr>
-                  <a:t>c</a:t>
-                </a:r>
-                <a:endParaRPr lang="en-US" sz="2400" b="1" dirty="0">
-                  <a:latin typeface="Helvetica" pitchFamily="2" charset="0"/>
-                </a:endParaRPr>
-              </a:p>
-            </p:txBody>
-          </p:sp>
         </p:grpSp>
         <p:pic>
           <p:nvPicPr>
-            <p:cNvPr id="10" name="Picture 9">
+            <p:cNvPr id="5" name="Picture 4">
               <a:extLst>
                 <a:ext uri="{FF2B5EF4-FFF2-40B4-BE49-F238E27FC236}">
-                  <a16:creationId xmlns:a16="http://schemas.microsoft.com/office/drawing/2014/main" id="{C3166792-F084-5845-9B49-C2F69AFB46A7}"/>
+                  <a16:creationId xmlns:a16="http://schemas.microsoft.com/office/drawing/2014/main" id="{4E28179E-98B6-B555-49F2-DE7A1A5E2173}"/>
                 </a:ext>
               </a:extLst>
             </p:cNvPr>
@@ -4107,13 +4128,13 @@
           </p:nvPicPr>
           <p:blipFill rotWithShape="1">
             <a:blip r:embed="rId4"/>
-            <a:srcRect l="50977" t="30536" r="2946" b="40685"/>
+            <a:srcRect b="3944"/>
             <a:stretch/>
           </p:blipFill>
           <p:spPr>
             <a:xfrm>
-              <a:off x="804265" y="4941669"/>
-              <a:ext cx="4117498" cy="1143000"/>
+              <a:off x="5321554" y="1292239"/>
+              <a:ext cx="6039599" cy="4972659"/>
             </a:xfrm>
             <a:prstGeom prst="rect">
               <a:avLst/>
@@ -4124,7 +4145,7 @@
     </p:spTree>
     <p:extLst>
       <p:ext uri="{BB962C8B-B14F-4D97-AF65-F5344CB8AC3E}">
-        <p14:creationId xmlns:p14="http://schemas.microsoft.com/office/powerpoint/2010/main" val="1681551678"/>
+        <p14:creationId xmlns:p14="http://schemas.microsoft.com/office/powerpoint/2010/main" val="2905181689"/>
       </p:ext>
     </p:extLst>
   </p:cSld>
@@ -4193,10 +4214,10 @@
         </p:nvGrpSpPr>
         <p:grpSpPr>
           <a:xfrm>
-            <a:off x="560828" y="1906855"/>
-            <a:ext cx="11085453" cy="3874230"/>
-            <a:chOff x="560828" y="1906855"/>
-            <a:chExt cx="11085453" cy="3874230"/>
+            <a:off x="536028" y="1906855"/>
+            <a:ext cx="11242834" cy="4123274"/>
+            <a:chOff x="536028" y="1906855"/>
+            <a:chExt cx="11242834" cy="4123274"/>
           </a:xfrm>
         </p:grpSpPr>
         <p:pic>
@@ -4213,16 +4234,15 @@
             </p:cNvPicPr>
             <p:nvPr/>
           </p:nvPicPr>
-          <p:blipFill>
+          <p:blipFill rotWithShape="1">
             <a:blip r:embed="rId2"/>
-            <a:stretch>
-              <a:fillRect/>
-            </a:stretch>
+            <a:srcRect l="4112" r="1594"/>
+            <a:stretch/>
           </p:blipFill>
           <p:spPr>
             <a:xfrm>
-              <a:off x="560828" y="2062525"/>
-              <a:ext cx="4576689" cy="3718560"/>
+              <a:off x="536028" y="2062524"/>
+              <a:ext cx="4601490" cy="3967605"/>
             </a:xfrm>
             <a:prstGeom prst="rect">
               <a:avLst/>
@@ -4243,15 +4263,15 @@
             </p:cNvPicPr>
             <p:nvPr/>
           </p:nvPicPr>
-          <p:blipFill>
+          <p:blipFill rotWithShape="1">
             <a:blip r:embed="rId3"/>
-            <a:srcRect/>
+            <a:srcRect l="1293" r="-1"/>
             <a:stretch/>
           </p:blipFill>
           <p:spPr>
             <a:xfrm>
-              <a:off x="5207857" y="2062525"/>
-              <a:ext cx="4576689" cy="3718559"/>
+              <a:off x="4966138" y="2062525"/>
+              <a:ext cx="4816877" cy="3967603"/>
             </a:xfrm>
             <a:prstGeom prst="rect">
               <a:avLst/>
@@ -4272,10 +4292,10 @@
           </p:nvGrpSpPr>
           <p:grpSpPr>
             <a:xfrm>
-              <a:off x="1250108" y="1906855"/>
-              <a:ext cx="10396173" cy="2205207"/>
-              <a:chOff x="1250108" y="1906855"/>
-              <a:chExt cx="10396173" cy="2205207"/>
+              <a:off x="1386101" y="1906855"/>
+              <a:ext cx="10392761" cy="2205207"/>
+              <a:chOff x="1386101" y="1906855"/>
+              <a:chExt cx="10392761" cy="2205207"/>
             </a:xfrm>
           </p:grpSpPr>
           <p:grpSp>
@@ -4292,10 +4312,10 @@
             </p:nvGrpSpPr>
             <p:grpSpPr>
               <a:xfrm>
-                <a:off x="1250108" y="1906855"/>
-                <a:ext cx="5015932" cy="369332"/>
-                <a:chOff x="1646715" y="1510248"/>
-                <a:chExt cx="5015932" cy="369332"/>
+                <a:off x="1386101" y="1906855"/>
+                <a:ext cx="4910629" cy="400110"/>
+                <a:chOff x="1782708" y="1510248"/>
+                <a:chExt cx="4910629" cy="400110"/>
               </a:xfrm>
             </p:grpSpPr>
             <p:sp>
@@ -4312,8 +4332,8 @@
               </p:nvSpPr>
               <p:spPr>
                 <a:xfrm>
-                  <a:off x="1646715" y="1510248"/>
-                  <a:ext cx="280461" cy="369332"/>
+                  <a:off x="1782708" y="1510248"/>
+                  <a:ext cx="280461" cy="400110"/>
                 </a:xfrm>
                 <a:prstGeom prst="rect">
                   <a:avLst/>
@@ -4327,12 +4347,12 @@
                 <a:lstStyle/>
                 <a:p>
                   <a:r>
-                    <a:rPr lang="en-US" b="1" dirty="0">
+                    <a:rPr lang="en-US" sz="2000" b="1" dirty="0">
                       <a:latin typeface="Helvetica" pitchFamily="2" charset="0"/>
                     </a:rPr>
                     <a:t>a</a:t>
                   </a:r>
-                  <a:endParaRPr lang="en-US" sz="2400" b="1" dirty="0">
+                  <a:endParaRPr lang="en-US" sz="2800" b="1" dirty="0">
                     <a:latin typeface="Helvetica" pitchFamily="2" charset="0"/>
                   </a:endParaRPr>
                 </a:p>
@@ -4352,8 +4372,8 @@
               </p:nvSpPr>
               <p:spPr>
                 <a:xfrm>
-                  <a:off x="6382186" y="1510248"/>
-                  <a:ext cx="280461" cy="369332"/>
+                  <a:off x="6412876" y="1510248"/>
+                  <a:ext cx="280461" cy="400110"/>
                 </a:xfrm>
                 <a:prstGeom prst="rect">
                   <a:avLst/>
@@ -4367,12 +4387,12 @@
                 <a:lstStyle/>
                 <a:p>
                   <a:r>
-                    <a:rPr lang="en-US" b="1" dirty="0">
+                    <a:rPr lang="en-US" sz="2000" b="1" dirty="0">
                       <a:latin typeface="Helvetica" pitchFamily="2" charset="0"/>
                     </a:rPr>
                     <a:t>b</a:t>
                   </a:r>
-                  <a:endParaRPr lang="en-US" sz="2400" b="1" dirty="0">
+                  <a:endParaRPr lang="en-US" sz="2800" b="1" dirty="0">
                     <a:latin typeface="Helvetica" pitchFamily="2" charset="0"/>
                   </a:endParaRPr>
                 </a:p>
@@ -4400,8 +4420,8 @@
             </p:blipFill>
             <p:spPr>
               <a:xfrm>
-                <a:off x="9817481" y="3597369"/>
-                <a:ext cx="1828800" cy="514693"/>
+                <a:off x="9351816" y="3429000"/>
+                <a:ext cx="2427046" cy="683062"/>
               </a:xfrm>
               <a:prstGeom prst="rect">
                 <a:avLst/>
@@ -4470,10 +4490,10 @@
       </p:sp>
       <p:grpSp>
         <p:nvGrpSpPr>
-          <p:cNvPr id="4" name="Group 3">
-            <a:extLst>
-              <a:ext uri="{FF2B5EF4-FFF2-40B4-BE49-F238E27FC236}">
-                <a16:creationId xmlns:a16="http://schemas.microsoft.com/office/drawing/2014/main" id="{E02FECDF-0805-ED47-89FF-E739739679FD}"/>
+          <p:cNvPr id="24" name="Group 23">
+            <a:extLst>
+              <a:ext uri="{FF2B5EF4-FFF2-40B4-BE49-F238E27FC236}">
+                <a16:creationId xmlns:a16="http://schemas.microsoft.com/office/drawing/2014/main" id="{65355D93-C832-CA48-B172-1CBCF1BAB796}"/>
               </a:ext>
             </a:extLst>
           </p:cNvPr>
@@ -4482,652 +4502,423 @@
         </p:nvGrpSpPr>
         <p:grpSpPr>
           <a:xfrm>
-            <a:off x="1186665" y="1147260"/>
-            <a:ext cx="9903718" cy="5608143"/>
-            <a:chOff x="1186665" y="1147260"/>
-            <a:chExt cx="9903718" cy="5608143"/>
+            <a:off x="1358357" y="959132"/>
+            <a:ext cx="9553442" cy="6048793"/>
+            <a:chOff x="1406622" y="977983"/>
+            <a:chExt cx="9553442" cy="6048793"/>
           </a:xfrm>
         </p:grpSpPr>
-        <p:grpSp>
-          <p:nvGrpSpPr>
-            <p:cNvPr id="24" name="Group 23">
+        <p:pic>
+          <p:nvPicPr>
+            <p:cNvPr id="6" name="Picture 5">
               <a:extLst>
                 <a:ext uri="{FF2B5EF4-FFF2-40B4-BE49-F238E27FC236}">
-                  <a16:creationId xmlns:a16="http://schemas.microsoft.com/office/drawing/2014/main" id="{65355D93-C832-CA48-B172-1CBCF1BAB796}"/>
+                  <a16:creationId xmlns:a16="http://schemas.microsoft.com/office/drawing/2014/main" id="{48863605-18D8-1342-AEDF-CE1100B8824A}"/>
                 </a:ext>
               </a:extLst>
             </p:cNvPr>
-            <p:cNvGrpSpPr/>
+            <p:cNvPicPr>
+              <a:picLocks noChangeAspect="1"/>
+            </p:cNvPicPr>
             <p:nvPr/>
-          </p:nvGrpSpPr>
-          <p:grpSpPr>
+          </p:nvPicPr>
+          <p:blipFill rotWithShape="1">
+            <a:blip r:embed="rId2"/>
+            <a:srcRect l="144"/>
+            <a:stretch/>
+          </p:blipFill>
+          <p:spPr>
             <a:xfrm>
-              <a:off x="1186665" y="1147260"/>
-              <a:ext cx="9903718" cy="5608143"/>
-              <a:chOff x="1186665" y="1147260"/>
-              <a:chExt cx="9903718" cy="5608143"/>
+              <a:off x="7388348" y="1169588"/>
+              <a:ext cx="3571716" cy="2908161"/>
             </a:xfrm>
-          </p:grpSpPr>
-          <p:pic>
-            <p:nvPicPr>
-              <p:cNvPr id="6" name="Picture 5">
-                <a:extLst>
-                  <a:ext uri="{FF2B5EF4-FFF2-40B4-BE49-F238E27FC236}">
-                    <a16:creationId xmlns:a16="http://schemas.microsoft.com/office/drawing/2014/main" id="{48863605-18D8-1342-AEDF-CE1100B8824A}"/>
-                  </a:ext>
-                </a:extLst>
-              </p:cNvPr>
-              <p:cNvPicPr>
-                <a:picLocks noChangeAspect="1"/>
-              </p:cNvPicPr>
-              <p:nvPr/>
-            </p:nvPicPr>
-            <p:blipFill>
-              <a:blip r:embed="rId2"/>
-              <a:srcRect/>
-              <a:stretch/>
-            </p:blipFill>
-            <p:spPr>
-              <a:xfrm>
-                <a:off x="7826771" y="1372686"/>
-                <a:ext cx="3263612" cy="2651684"/>
-              </a:xfrm>
-              <a:prstGeom prst="rect">
-                <a:avLst/>
-              </a:prstGeom>
-            </p:spPr>
-          </p:pic>
-          <p:pic>
-            <p:nvPicPr>
-              <p:cNvPr id="11" name="Picture 10">
-                <a:extLst>
-                  <a:ext uri="{FF2B5EF4-FFF2-40B4-BE49-F238E27FC236}">
-                    <a16:creationId xmlns:a16="http://schemas.microsoft.com/office/drawing/2014/main" id="{CDE14E8A-7729-3540-B64A-32FDB67C8756}"/>
-                  </a:ext>
-                </a:extLst>
-              </p:cNvPr>
-              <p:cNvPicPr>
-                <a:picLocks noChangeAspect="1"/>
-              </p:cNvPicPr>
-              <p:nvPr/>
-            </p:nvPicPr>
-            <p:blipFill>
-              <a:blip r:embed="rId3"/>
-              <a:srcRect l="149" r="149"/>
-              <a:stretch/>
-            </p:blipFill>
-            <p:spPr>
-              <a:xfrm>
-                <a:off x="4563121" y="1372686"/>
-                <a:ext cx="3253901" cy="2651685"/>
-              </a:xfrm>
-              <a:prstGeom prst="rect">
-                <a:avLst/>
-              </a:prstGeom>
-            </p:spPr>
-          </p:pic>
-          <p:pic>
-            <p:nvPicPr>
-              <p:cNvPr id="13" name="Picture 12">
-                <a:extLst>
-                  <a:ext uri="{FF2B5EF4-FFF2-40B4-BE49-F238E27FC236}">
-                    <a16:creationId xmlns:a16="http://schemas.microsoft.com/office/drawing/2014/main" id="{4ED08AF6-DCBE-6542-BFAE-AC4F36EC194D}"/>
-                  </a:ext>
-                </a:extLst>
-              </p:cNvPr>
-              <p:cNvPicPr>
-                <a:picLocks noChangeAspect="1"/>
-              </p:cNvPicPr>
-              <p:nvPr/>
-            </p:nvPicPr>
-            <p:blipFill>
-              <a:blip r:embed="rId4"/>
-              <a:srcRect/>
-              <a:stretch/>
-            </p:blipFill>
-            <p:spPr>
-              <a:xfrm>
-                <a:off x="1186665" y="1372686"/>
-                <a:ext cx="3323690" cy="2651684"/>
-              </a:xfrm>
-              <a:prstGeom prst="rect">
-                <a:avLst/>
-              </a:prstGeom>
-            </p:spPr>
-          </p:pic>
-          <p:pic>
-            <p:nvPicPr>
-              <p:cNvPr id="15" name="Picture 14">
-                <a:extLst>
-                  <a:ext uri="{FF2B5EF4-FFF2-40B4-BE49-F238E27FC236}">
-                    <a16:creationId xmlns:a16="http://schemas.microsoft.com/office/drawing/2014/main" id="{B3EE7812-DFAB-D744-8950-2ACB8B9932F2}"/>
-                  </a:ext>
-                </a:extLst>
-              </p:cNvPr>
-              <p:cNvPicPr>
-                <a:picLocks noChangeAspect="1"/>
-              </p:cNvPicPr>
-              <p:nvPr/>
-            </p:nvPicPr>
-            <p:blipFill>
-              <a:blip r:embed="rId5"/>
-              <a:srcRect/>
-              <a:stretch/>
-            </p:blipFill>
-            <p:spPr>
-              <a:xfrm>
-                <a:off x="7826771" y="4101426"/>
-                <a:ext cx="3263611" cy="2651683"/>
-              </a:xfrm>
-              <a:prstGeom prst="rect">
-                <a:avLst/>
-              </a:prstGeom>
-            </p:spPr>
-          </p:pic>
-          <p:pic>
-            <p:nvPicPr>
-              <p:cNvPr id="17" name="Picture 16">
-                <a:extLst>
-                  <a:ext uri="{FF2B5EF4-FFF2-40B4-BE49-F238E27FC236}">
-                    <a16:creationId xmlns:a16="http://schemas.microsoft.com/office/drawing/2014/main" id="{E88C8BAB-89B2-3E49-87FD-62556B11DE64}"/>
-                  </a:ext>
-                </a:extLst>
-              </p:cNvPr>
-              <p:cNvPicPr>
-                <a:picLocks noChangeAspect="1"/>
-              </p:cNvPicPr>
-              <p:nvPr/>
-            </p:nvPicPr>
-            <p:blipFill>
-              <a:blip r:embed="rId6"/>
-              <a:srcRect/>
-              <a:stretch/>
-            </p:blipFill>
-            <p:spPr>
-              <a:xfrm>
-                <a:off x="4553411" y="4103720"/>
-                <a:ext cx="3263611" cy="2651683"/>
-              </a:xfrm>
-              <a:prstGeom prst="rect">
-                <a:avLst/>
-              </a:prstGeom>
-            </p:spPr>
-          </p:pic>
-          <p:pic>
-            <p:nvPicPr>
-              <p:cNvPr id="19" name="Picture 18">
-                <a:extLst>
-                  <a:ext uri="{FF2B5EF4-FFF2-40B4-BE49-F238E27FC236}">
-                    <a16:creationId xmlns:a16="http://schemas.microsoft.com/office/drawing/2014/main" id="{6A6FB541-AE88-A34A-9A34-053855BEA8CE}"/>
-                  </a:ext>
-                </a:extLst>
-              </p:cNvPr>
-              <p:cNvPicPr>
-                <a:picLocks noChangeAspect="1"/>
-              </p:cNvPicPr>
-              <p:nvPr/>
-            </p:nvPicPr>
-            <p:blipFill>
-              <a:blip r:embed="rId7"/>
-              <a:srcRect/>
-              <a:stretch/>
-            </p:blipFill>
-            <p:spPr>
-              <a:xfrm>
-                <a:off x="1263118" y="4101426"/>
-                <a:ext cx="3263611" cy="2651683"/>
-              </a:xfrm>
-              <a:prstGeom prst="rect">
-                <a:avLst/>
-              </a:prstGeom>
-            </p:spPr>
-          </p:pic>
-          <p:sp>
-            <p:nvSpPr>
-              <p:cNvPr id="8" name="TextBox 7">
-                <a:extLst>
-                  <a:ext uri="{FF2B5EF4-FFF2-40B4-BE49-F238E27FC236}">
-                    <a16:creationId xmlns:a16="http://schemas.microsoft.com/office/drawing/2014/main" id="{0FEBDF1E-D0B9-7244-92D8-A90727A1003C}"/>
-                  </a:ext>
-                </a:extLst>
-              </p:cNvPr>
-              <p:cNvSpPr txBox="1"/>
-              <p:nvPr/>
-            </p:nvSpPr>
-            <p:spPr>
-              <a:xfrm>
-                <a:off x="1805593" y="1147260"/>
-                <a:ext cx="280461" cy="338554"/>
-              </a:xfrm>
-              <a:prstGeom prst="rect">
-                <a:avLst/>
-              </a:prstGeom>
-              <a:noFill/>
-            </p:spPr>
-            <p:txBody>
-              <a:bodyPr wrap="square" rtlCol="0">
-                <a:spAutoFit/>
-              </a:bodyPr>
-              <a:lstStyle/>
-              <a:p>
-                <a:r>
-                  <a:rPr lang="en-US" sz="1600" b="1" dirty="0">
-                    <a:latin typeface="Helvetica" pitchFamily="2" charset="0"/>
-                  </a:rPr>
-                  <a:t>a</a:t>
-                </a:r>
-                <a:endParaRPr lang="en-US" sz="2000" b="1" dirty="0">
-                  <a:latin typeface="Helvetica" pitchFamily="2" charset="0"/>
-                </a:endParaRPr>
-              </a:p>
-            </p:txBody>
-          </p:sp>
-          <p:sp>
-            <p:nvSpPr>
-              <p:cNvPr id="9" name="TextBox 8">
-                <a:extLst>
-                  <a:ext uri="{FF2B5EF4-FFF2-40B4-BE49-F238E27FC236}">
-                    <a16:creationId xmlns:a16="http://schemas.microsoft.com/office/drawing/2014/main" id="{F58E54F3-6A00-E242-B582-FC6597FCF8DE}"/>
-                  </a:ext>
-                </a:extLst>
-              </p:cNvPr>
-              <p:cNvSpPr txBox="1"/>
-              <p:nvPr/>
-            </p:nvSpPr>
-            <p:spPr>
-              <a:xfrm>
-                <a:off x="5095886" y="1147260"/>
-                <a:ext cx="280461" cy="338554"/>
-              </a:xfrm>
-              <a:prstGeom prst="rect">
-                <a:avLst/>
-              </a:prstGeom>
-              <a:noFill/>
-            </p:spPr>
-            <p:txBody>
-              <a:bodyPr wrap="square" rtlCol="0">
-                <a:spAutoFit/>
-              </a:bodyPr>
-              <a:lstStyle/>
-              <a:p>
-                <a:r>
-                  <a:rPr lang="en-US" sz="1600" b="1" dirty="0">
-                    <a:latin typeface="Helvetica" pitchFamily="2" charset="0"/>
-                  </a:rPr>
-                  <a:t>b</a:t>
-                </a:r>
-                <a:endParaRPr lang="en-US" sz="2000" b="1" dirty="0">
-                  <a:latin typeface="Helvetica" pitchFamily="2" charset="0"/>
-                </a:endParaRPr>
-              </a:p>
-            </p:txBody>
-          </p:sp>
-          <p:sp>
-            <p:nvSpPr>
-              <p:cNvPr id="20" name="TextBox 19">
-                <a:extLst>
-                  <a:ext uri="{FF2B5EF4-FFF2-40B4-BE49-F238E27FC236}">
-                    <a16:creationId xmlns:a16="http://schemas.microsoft.com/office/drawing/2014/main" id="{0D6BE166-15EF-7C42-9882-6E1623CEA1C1}"/>
-                  </a:ext>
-                </a:extLst>
-              </p:cNvPr>
-              <p:cNvSpPr txBox="1"/>
-              <p:nvPr/>
-            </p:nvSpPr>
-            <p:spPr>
-              <a:xfrm>
-                <a:off x="8386179" y="1147260"/>
-                <a:ext cx="280461" cy="338554"/>
-              </a:xfrm>
-              <a:prstGeom prst="rect">
-                <a:avLst/>
-              </a:prstGeom>
-              <a:noFill/>
-            </p:spPr>
-            <p:txBody>
-              <a:bodyPr wrap="square" rtlCol="0">
-                <a:spAutoFit/>
-              </a:bodyPr>
-              <a:lstStyle/>
-              <a:p>
-                <a:r>
-                  <a:rPr lang="en-US" sz="1600" b="1" dirty="0">
-                    <a:latin typeface="Helvetica" pitchFamily="2" charset="0"/>
-                  </a:rPr>
-                  <a:t>c</a:t>
-                </a:r>
-                <a:endParaRPr lang="en-US" sz="2000" b="1" dirty="0">
-                  <a:latin typeface="Helvetica" pitchFamily="2" charset="0"/>
-                </a:endParaRPr>
-              </a:p>
-            </p:txBody>
-          </p:sp>
-          <p:sp>
-            <p:nvSpPr>
-              <p:cNvPr id="21" name="TextBox 20">
-                <a:extLst>
-                  <a:ext uri="{FF2B5EF4-FFF2-40B4-BE49-F238E27FC236}">
-                    <a16:creationId xmlns:a16="http://schemas.microsoft.com/office/drawing/2014/main" id="{F06CF8BF-C290-6C4B-9790-78435069CECF}"/>
-                  </a:ext>
-                </a:extLst>
-              </p:cNvPr>
-              <p:cNvSpPr txBox="1"/>
-              <p:nvPr/>
-            </p:nvSpPr>
-            <p:spPr>
-              <a:xfrm>
-                <a:off x="1805593" y="3932149"/>
-                <a:ext cx="280461" cy="338554"/>
-              </a:xfrm>
-              <a:prstGeom prst="rect">
-                <a:avLst/>
-              </a:prstGeom>
-              <a:noFill/>
-            </p:spPr>
-            <p:txBody>
-              <a:bodyPr wrap="square" rtlCol="0">
-                <a:spAutoFit/>
-              </a:bodyPr>
-              <a:lstStyle/>
-              <a:p>
-                <a:r>
-                  <a:rPr lang="en-US" sz="1600" b="1" dirty="0">
-                    <a:latin typeface="Helvetica" pitchFamily="2" charset="0"/>
-                  </a:rPr>
-                  <a:t>d</a:t>
-                </a:r>
-                <a:endParaRPr lang="en-US" sz="2000" b="1" dirty="0">
-                  <a:latin typeface="Helvetica" pitchFamily="2" charset="0"/>
-                </a:endParaRPr>
-              </a:p>
-            </p:txBody>
-          </p:sp>
-          <p:sp>
-            <p:nvSpPr>
-              <p:cNvPr id="22" name="TextBox 21">
-                <a:extLst>
-                  <a:ext uri="{FF2B5EF4-FFF2-40B4-BE49-F238E27FC236}">
-                    <a16:creationId xmlns:a16="http://schemas.microsoft.com/office/drawing/2014/main" id="{08F237CD-980A-734F-80A4-817AF2526E0B}"/>
-                  </a:ext>
-                </a:extLst>
-              </p:cNvPr>
-              <p:cNvSpPr txBox="1"/>
-              <p:nvPr/>
-            </p:nvSpPr>
-            <p:spPr>
-              <a:xfrm>
-                <a:off x="5095886" y="3932149"/>
-                <a:ext cx="280461" cy="338554"/>
-              </a:xfrm>
-              <a:prstGeom prst="rect">
-                <a:avLst/>
-              </a:prstGeom>
-              <a:noFill/>
-            </p:spPr>
-            <p:txBody>
-              <a:bodyPr wrap="square" rtlCol="0">
-                <a:spAutoFit/>
-              </a:bodyPr>
-              <a:lstStyle/>
-              <a:p>
-                <a:r>
-                  <a:rPr lang="en-US" sz="1600" b="1" dirty="0">
-                    <a:latin typeface="Helvetica" pitchFamily="2" charset="0"/>
-                  </a:rPr>
-                  <a:t>e</a:t>
-                </a:r>
-                <a:endParaRPr lang="en-US" sz="2000" b="1" dirty="0">
-                  <a:latin typeface="Helvetica" pitchFamily="2" charset="0"/>
-                </a:endParaRPr>
-              </a:p>
-            </p:txBody>
-          </p:sp>
-          <p:sp>
-            <p:nvSpPr>
-              <p:cNvPr id="23" name="TextBox 22">
-                <a:extLst>
-                  <a:ext uri="{FF2B5EF4-FFF2-40B4-BE49-F238E27FC236}">
-                    <a16:creationId xmlns:a16="http://schemas.microsoft.com/office/drawing/2014/main" id="{58A11E04-D4B1-994E-BE21-C964DB186F47}"/>
-                  </a:ext>
-                </a:extLst>
-              </p:cNvPr>
-              <p:cNvSpPr txBox="1"/>
-              <p:nvPr/>
-            </p:nvSpPr>
-            <p:spPr>
-              <a:xfrm>
-                <a:off x="8386179" y="3932149"/>
-                <a:ext cx="280461" cy="338554"/>
-              </a:xfrm>
-              <a:prstGeom prst="rect">
-                <a:avLst/>
-              </a:prstGeom>
-              <a:noFill/>
-            </p:spPr>
-            <p:txBody>
-              <a:bodyPr wrap="square" rtlCol="0">
-                <a:spAutoFit/>
-              </a:bodyPr>
-              <a:lstStyle/>
-              <a:p>
-                <a:r>
-                  <a:rPr lang="en-US" sz="1600" b="1" dirty="0">
-                    <a:latin typeface="Helvetica" pitchFamily="2" charset="0"/>
-                  </a:rPr>
-                  <a:t>f</a:t>
-                </a:r>
-                <a:endParaRPr lang="en-US" sz="2000" b="1" dirty="0">
-                  <a:latin typeface="Helvetica" pitchFamily="2" charset="0"/>
-                </a:endParaRPr>
-              </a:p>
-            </p:txBody>
-          </p:sp>
-        </p:grpSp>
-        <p:sp>
-          <p:nvSpPr>
-            <p:cNvPr id="3" name="Rectangle 2">
+            <a:prstGeom prst="rect">
+              <a:avLst/>
+            </a:prstGeom>
+          </p:spPr>
+        </p:pic>
+        <p:pic>
+          <p:nvPicPr>
+            <p:cNvPr id="11" name="Picture 10">
               <a:extLst>
                 <a:ext uri="{FF2B5EF4-FFF2-40B4-BE49-F238E27FC236}">
-                  <a16:creationId xmlns:a16="http://schemas.microsoft.com/office/drawing/2014/main" id="{E3DD23F4-7002-D04E-B333-B36B5E9ED123}"/>
+                  <a16:creationId xmlns:a16="http://schemas.microsoft.com/office/drawing/2014/main" id="{CDE14E8A-7729-3540-B64A-32FDB67C8756}"/>
                 </a:ext>
               </a:extLst>
             </p:cNvPr>
-            <p:cNvSpPr/>
+            <p:cNvPicPr>
+              <a:picLocks noChangeAspect="1"/>
+            </p:cNvPicPr>
+            <p:nvPr/>
+          </p:nvPicPr>
+          <p:blipFill>
+            <a:blip r:embed="rId3"/>
+            <a:srcRect l="115" r="115"/>
+            <a:stretch/>
+          </p:blipFill>
+          <p:spPr>
+            <a:xfrm>
+              <a:off x="4397485" y="1147260"/>
+              <a:ext cx="3571716" cy="2910680"/>
+            </a:xfrm>
+            <a:prstGeom prst="rect">
+              <a:avLst/>
+            </a:prstGeom>
+          </p:spPr>
+        </p:pic>
+        <p:pic>
+          <p:nvPicPr>
+            <p:cNvPr id="13" name="Picture 12">
+              <a:extLst>
+                <a:ext uri="{FF2B5EF4-FFF2-40B4-BE49-F238E27FC236}">
+                  <a16:creationId xmlns:a16="http://schemas.microsoft.com/office/drawing/2014/main" id="{4ED08AF6-DCBE-6542-BFAE-AC4F36EC194D}"/>
+                </a:ext>
+              </a:extLst>
+            </p:cNvPr>
+            <p:cNvPicPr>
+              <a:picLocks noChangeAspect="1"/>
+            </p:cNvPicPr>
+            <p:nvPr/>
+          </p:nvPicPr>
+          <p:blipFill>
+            <a:blip r:embed="rId4"/>
+            <a:srcRect/>
+            <a:stretch/>
+          </p:blipFill>
+          <p:spPr>
+            <a:xfrm>
+              <a:off x="1406622" y="1182301"/>
+              <a:ext cx="3571716" cy="2903961"/>
+            </a:xfrm>
+            <a:prstGeom prst="rect">
+              <a:avLst/>
+            </a:prstGeom>
+          </p:spPr>
+        </p:pic>
+        <p:pic>
+          <p:nvPicPr>
+            <p:cNvPr id="15" name="Picture 14">
+              <a:extLst>
+                <a:ext uri="{FF2B5EF4-FFF2-40B4-BE49-F238E27FC236}">
+                  <a16:creationId xmlns:a16="http://schemas.microsoft.com/office/drawing/2014/main" id="{B3EE7812-DFAB-D744-8950-2ACB8B9932F2}"/>
+                </a:ext>
+              </a:extLst>
+            </p:cNvPr>
+            <p:cNvPicPr>
+              <a:picLocks noChangeAspect="1"/>
+            </p:cNvPicPr>
+            <p:nvPr/>
+          </p:nvPicPr>
+          <p:blipFill>
+            <a:blip r:embed="rId5"/>
+            <a:srcRect/>
+            <a:stretch/>
+          </p:blipFill>
+          <p:spPr>
+            <a:xfrm>
+              <a:off x="7383182" y="4118615"/>
+              <a:ext cx="3576882" cy="2908161"/>
+            </a:xfrm>
+            <a:prstGeom prst="rect">
+              <a:avLst/>
+            </a:prstGeom>
+          </p:spPr>
+        </p:pic>
+        <p:pic>
+          <p:nvPicPr>
+            <p:cNvPr id="17" name="Picture 16">
+              <a:extLst>
+                <a:ext uri="{FF2B5EF4-FFF2-40B4-BE49-F238E27FC236}">
+                  <a16:creationId xmlns:a16="http://schemas.microsoft.com/office/drawing/2014/main" id="{E88C8BAB-89B2-3E49-87FD-62556B11DE64}"/>
+                </a:ext>
+              </a:extLst>
+            </p:cNvPr>
+            <p:cNvPicPr>
+              <a:picLocks noChangeAspect="1"/>
+            </p:cNvPicPr>
+            <p:nvPr/>
+          </p:nvPicPr>
+          <p:blipFill>
+            <a:blip r:embed="rId6"/>
+            <a:srcRect/>
+            <a:stretch/>
+          </p:blipFill>
+          <p:spPr>
+            <a:xfrm>
+              <a:off x="4402138" y="4116096"/>
+              <a:ext cx="3571718" cy="2903962"/>
+            </a:xfrm>
+            <a:prstGeom prst="rect">
+              <a:avLst/>
+            </a:prstGeom>
+          </p:spPr>
+        </p:pic>
+        <p:pic>
+          <p:nvPicPr>
+            <p:cNvPr id="19" name="Picture 18">
+              <a:extLst>
+                <a:ext uri="{FF2B5EF4-FFF2-40B4-BE49-F238E27FC236}">
+                  <a16:creationId xmlns:a16="http://schemas.microsoft.com/office/drawing/2014/main" id="{6A6FB541-AE88-A34A-9A34-053855BEA8CE}"/>
+                </a:ext>
+              </a:extLst>
+            </p:cNvPr>
+            <p:cNvPicPr>
+              <a:picLocks noChangeAspect="1"/>
+            </p:cNvPicPr>
+            <p:nvPr/>
+          </p:nvPicPr>
+          <p:blipFill>
+            <a:blip r:embed="rId7"/>
+            <a:srcRect/>
+            <a:stretch/>
+          </p:blipFill>
+          <p:spPr>
+            <a:xfrm>
+              <a:off x="1413964" y="4119054"/>
+              <a:ext cx="3571716" cy="2903961"/>
+            </a:xfrm>
+            <a:prstGeom prst="rect">
+              <a:avLst/>
+            </a:prstGeom>
+          </p:spPr>
+        </p:pic>
+        <p:sp>
+          <p:nvSpPr>
+            <p:cNvPr id="8" name="TextBox 7">
+              <a:extLst>
+                <a:ext uri="{FF2B5EF4-FFF2-40B4-BE49-F238E27FC236}">
+                  <a16:creationId xmlns:a16="http://schemas.microsoft.com/office/drawing/2014/main" id="{0FEBDF1E-D0B9-7244-92D8-A90727A1003C}"/>
+                </a:ext>
+              </a:extLst>
+            </p:cNvPr>
+            <p:cNvSpPr txBox="1"/>
             <p:nvPr/>
           </p:nvSpPr>
           <p:spPr>
             <a:xfrm>
-              <a:off x="4563121" y="1372686"/>
-              <a:ext cx="461640" cy="2311547"/>
+              <a:off x="2105614" y="977983"/>
+              <a:ext cx="280461" cy="338554"/>
             </a:xfrm>
             <a:prstGeom prst="rect">
               <a:avLst/>
             </a:prstGeom>
-            <a:solidFill>
-              <a:schemeClr val="bg1"/>
-            </a:solidFill>
-            <a:ln>
-              <a:noFill/>
-            </a:ln>
+            <a:noFill/>
           </p:spPr>
-          <p:style>
-            <a:lnRef idx="2">
-              <a:schemeClr val="accent1">
-                <a:shade val="50000"/>
-              </a:schemeClr>
-            </a:lnRef>
-            <a:fillRef idx="1">
-              <a:schemeClr val="accent1"/>
-            </a:fillRef>
-            <a:effectRef idx="0">
-              <a:schemeClr val="accent1"/>
-            </a:effectRef>
-            <a:fontRef idx="minor">
-              <a:schemeClr val="lt1"/>
-            </a:fontRef>
-          </p:style>
           <p:txBody>
-            <a:bodyPr rtlCol="0" anchor="ctr"/>
+            <a:bodyPr wrap="square" rtlCol="0">
+              <a:spAutoFit/>
+            </a:bodyPr>
             <a:lstStyle/>
             <a:p>
-              <a:pPr algn="ctr"/>
-              <a:endParaRPr lang="en-US" dirty="0"/>
+              <a:r>
+                <a:rPr lang="en-US" sz="1600" b="1" dirty="0">
+                  <a:latin typeface="Helvetica" pitchFamily="2" charset="0"/>
+                </a:rPr>
+                <a:t>a</a:t>
+              </a:r>
+              <a:endParaRPr lang="en-US" sz="2000" b="1" dirty="0">
+                <a:latin typeface="Helvetica" pitchFamily="2" charset="0"/>
+              </a:endParaRPr>
             </a:p>
           </p:txBody>
         </p:sp>
         <p:sp>
           <p:nvSpPr>
-            <p:cNvPr id="18" name="Rectangle 17">
+            <p:cNvPr id="9" name="TextBox 8">
               <a:extLst>
                 <a:ext uri="{FF2B5EF4-FFF2-40B4-BE49-F238E27FC236}">
-                  <a16:creationId xmlns:a16="http://schemas.microsoft.com/office/drawing/2014/main" id="{96F84EBE-D4B8-634C-B734-2B649AB81815}"/>
+                  <a16:creationId xmlns:a16="http://schemas.microsoft.com/office/drawing/2014/main" id="{F58E54F3-6A00-E242-B582-FC6597FCF8DE}"/>
                 </a:ext>
               </a:extLst>
             </p:cNvPr>
-            <p:cNvSpPr/>
+            <p:cNvSpPr txBox="1"/>
             <p:nvPr/>
           </p:nvSpPr>
           <p:spPr>
             <a:xfrm>
-              <a:off x="7835649" y="1459144"/>
-              <a:ext cx="461640" cy="2311547"/>
+              <a:off x="5095884" y="1009681"/>
+              <a:ext cx="280461" cy="338554"/>
             </a:xfrm>
             <a:prstGeom prst="rect">
               <a:avLst/>
             </a:prstGeom>
-            <a:solidFill>
-              <a:schemeClr val="bg1"/>
-            </a:solidFill>
-            <a:ln>
-              <a:noFill/>
-            </a:ln>
+            <a:noFill/>
           </p:spPr>
-          <p:style>
-            <a:lnRef idx="2">
-              <a:schemeClr val="accent1">
-                <a:shade val="50000"/>
-              </a:schemeClr>
-            </a:lnRef>
-            <a:fillRef idx="1">
-              <a:schemeClr val="accent1"/>
-            </a:fillRef>
-            <a:effectRef idx="0">
-              <a:schemeClr val="accent1"/>
-            </a:effectRef>
-            <a:fontRef idx="minor">
-              <a:schemeClr val="lt1"/>
-            </a:fontRef>
-          </p:style>
           <p:txBody>
-            <a:bodyPr rtlCol="0" anchor="ctr"/>
+            <a:bodyPr wrap="square" rtlCol="0">
+              <a:spAutoFit/>
+            </a:bodyPr>
             <a:lstStyle/>
             <a:p>
-              <a:pPr algn="ctr"/>
-              <a:endParaRPr lang="en-US"/>
+              <a:r>
+                <a:rPr lang="en-US" sz="1600" b="1" dirty="0">
+                  <a:latin typeface="Helvetica" pitchFamily="2" charset="0"/>
+                </a:rPr>
+                <a:t>b</a:t>
+              </a:r>
+              <a:endParaRPr lang="en-US" sz="2000" b="1" dirty="0">
+                <a:latin typeface="Helvetica" pitchFamily="2" charset="0"/>
+              </a:endParaRPr>
             </a:p>
           </p:txBody>
         </p:sp>
         <p:sp>
           <p:nvSpPr>
-            <p:cNvPr id="25" name="Rectangle 24">
+            <p:cNvPr id="20" name="TextBox 19">
               <a:extLst>
                 <a:ext uri="{FF2B5EF4-FFF2-40B4-BE49-F238E27FC236}">
-                  <a16:creationId xmlns:a16="http://schemas.microsoft.com/office/drawing/2014/main" id="{1E547BED-4386-394C-98A8-7C8F620A16B3}"/>
+                  <a16:creationId xmlns:a16="http://schemas.microsoft.com/office/drawing/2014/main" id="{0D6BE166-15EF-7C42-9882-6E1623CEA1C1}"/>
                 </a:ext>
               </a:extLst>
             </p:cNvPr>
-            <p:cNvSpPr/>
+            <p:cNvSpPr txBox="1"/>
             <p:nvPr/>
           </p:nvSpPr>
           <p:spPr>
             <a:xfrm>
-              <a:off x="7817022" y="4190178"/>
-              <a:ext cx="461640" cy="2311547"/>
+              <a:off x="8107935" y="997792"/>
+              <a:ext cx="280461" cy="338554"/>
             </a:xfrm>
             <a:prstGeom prst="rect">
               <a:avLst/>
             </a:prstGeom>
-            <a:solidFill>
-              <a:schemeClr val="bg1"/>
-            </a:solidFill>
-            <a:ln>
-              <a:noFill/>
-            </a:ln>
+            <a:noFill/>
           </p:spPr>
-          <p:style>
-            <a:lnRef idx="2">
-              <a:schemeClr val="accent1">
-                <a:shade val="50000"/>
-              </a:schemeClr>
-            </a:lnRef>
-            <a:fillRef idx="1">
-              <a:schemeClr val="accent1"/>
-            </a:fillRef>
-            <a:effectRef idx="0">
-              <a:schemeClr val="accent1"/>
-            </a:effectRef>
-            <a:fontRef idx="minor">
-              <a:schemeClr val="lt1"/>
-            </a:fontRef>
-          </p:style>
           <p:txBody>
-            <a:bodyPr rtlCol="0" anchor="ctr"/>
+            <a:bodyPr wrap="square" rtlCol="0">
+              <a:spAutoFit/>
+            </a:bodyPr>
             <a:lstStyle/>
             <a:p>
-              <a:pPr algn="ctr"/>
-              <a:endParaRPr lang="en-US"/>
+              <a:r>
+                <a:rPr lang="en-US" sz="1600" b="1" dirty="0">
+                  <a:latin typeface="Helvetica" pitchFamily="2" charset="0"/>
+                </a:rPr>
+                <a:t>c</a:t>
+              </a:r>
+              <a:endParaRPr lang="en-US" sz="2000" b="1" dirty="0">
+                <a:latin typeface="Helvetica" pitchFamily="2" charset="0"/>
+              </a:endParaRPr>
             </a:p>
           </p:txBody>
         </p:sp>
         <p:sp>
           <p:nvSpPr>
-            <p:cNvPr id="26" name="Rectangle 25">
+            <p:cNvPr id="21" name="TextBox 20">
               <a:extLst>
                 <a:ext uri="{FF2B5EF4-FFF2-40B4-BE49-F238E27FC236}">
-                  <a16:creationId xmlns:a16="http://schemas.microsoft.com/office/drawing/2014/main" id="{B1BF05A6-2D10-0049-A50D-CC87B1580A88}"/>
+                  <a16:creationId xmlns:a16="http://schemas.microsoft.com/office/drawing/2014/main" id="{F06CF8BF-C290-6C4B-9790-78435069CECF}"/>
                 </a:ext>
               </a:extLst>
             </p:cNvPr>
-            <p:cNvSpPr/>
+            <p:cNvSpPr txBox="1"/>
             <p:nvPr/>
           </p:nvSpPr>
           <p:spPr>
             <a:xfrm>
-              <a:off x="4530013" y="4190178"/>
-              <a:ext cx="461640" cy="2311547"/>
+              <a:off x="2105614" y="3946819"/>
+              <a:ext cx="280461" cy="338554"/>
             </a:xfrm>
             <a:prstGeom prst="rect">
               <a:avLst/>
             </a:prstGeom>
-            <a:solidFill>
-              <a:schemeClr val="bg1"/>
-            </a:solidFill>
-            <a:ln>
-              <a:noFill/>
-            </a:ln>
+            <a:noFill/>
           </p:spPr>
-          <p:style>
-            <a:lnRef idx="2">
-              <a:schemeClr val="accent1">
-                <a:shade val="50000"/>
-              </a:schemeClr>
-            </a:lnRef>
-            <a:fillRef idx="1">
-              <a:schemeClr val="accent1"/>
-            </a:fillRef>
-            <a:effectRef idx="0">
-              <a:schemeClr val="accent1"/>
-            </a:effectRef>
-            <a:fontRef idx="minor">
-              <a:schemeClr val="lt1"/>
-            </a:fontRef>
-          </p:style>
           <p:txBody>
-            <a:bodyPr rtlCol="0" anchor="ctr"/>
+            <a:bodyPr wrap="square" rtlCol="0">
+              <a:spAutoFit/>
+            </a:bodyPr>
             <a:lstStyle/>
             <a:p>
-              <a:pPr algn="ctr"/>
-              <a:endParaRPr lang="en-US"/>
+              <a:r>
+                <a:rPr lang="en-US" sz="1600" b="1" dirty="0">
+                  <a:latin typeface="Helvetica" pitchFamily="2" charset="0"/>
+                </a:rPr>
+                <a:t>d</a:t>
+              </a:r>
+              <a:endParaRPr lang="en-US" sz="2000" b="1" dirty="0">
+                <a:latin typeface="Helvetica" pitchFamily="2" charset="0"/>
+              </a:endParaRPr>
+            </a:p>
+          </p:txBody>
+        </p:sp>
+        <p:sp>
+          <p:nvSpPr>
+            <p:cNvPr id="22" name="TextBox 21">
+              <a:extLst>
+                <a:ext uri="{FF2B5EF4-FFF2-40B4-BE49-F238E27FC236}">
+                  <a16:creationId xmlns:a16="http://schemas.microsoft.com/office/drawing/2014/main" id="{08F237CD-980A-734F-80A4-817AF2526E0B}"/>
+                </a:ext>
+              </a:extLst>
+            </p:cNvPr>
+            <p:cNvSpPr txBox="1"/>
+            <p:nvPr/>
+          </p:nvSpPr>
+          <p:spPr>
+            <a:xfrm>
+              <a:off x="5095885" y="3916985"/>
+              <a:ext cx="280461" cy="338554"/>
+            </a:xfrm>
+            <a:prstGeom prst="rect">
+              <a:avLst/>
+            </a:prstGeom>
+            <a:noFill/>
+          </p:spPr>
+          <p:txBody>
+            <a:bodyPr wrap="square" rtlCol="0">
+              <a:spAutoFit/>
+            </a:bodyPr>
+            <a:lstStyle/>
+            <a:p>
+              <a:r>
+                <a:rPr lang="en-US" sz="1600" b="1" dirty="0">
+                  <a:latin typeface="Helvetica" pitchFamily="2" charset="0"/>
+                </a:rPr>
+                <a:t>e</a:t>
+              </a:r>
+              <a:endParaRPr lang="en-US" sz="2000" b="1" dirty="0">
+                <a:latin typeface="Helvetica" pitchFamily="2" charset="0"/>
+              </a:endParaRPr>
+            </a:p>
+          </p:txBody>
+        </p:sp>
+        <p:sp>
+          <p:nvSpPr>
+            <p:cNvPr id="23" name="TextBox 22">
+              <a:extLst>
+                <a:ext uri="{FF2B5EF4-FFF2-40B4-BE49-F238E27FC236}">
+                  <a16:creationId xmlns:a16="http://schemas.microsoft.com/office/drawing/2014/main" id="{58A11E04-D4B1-994E-BE21-C964DB186F47}"/>
+                </a:ext>
+              </a:extLst>
+            </p:cNvPr>
+            <p:cNvSpPr txBox="1"/>
+            <p:nvPr/>
+          </p:nvSpPr>
+          <p:spPr>
+            <a:xfrm>
+              <a:off x="8107935" y="3908472"/>
+              <a:ext cx="280461" cy="338554"/>
+            </a:xfrm>
+            <a:prstGeom prst="rect">
+              <a:avLst/>
+            </a:prstGeom>
+            <a:noFill/>
+          </p:spPr>
+          <p:txBody>
+            <a:bodyPr wrap="square" rtlCol="0">
+              <a:spAutoFit/>
+            </a:bodyPr>
+            <a:lstStyle/>
+            <a:p>
+              <a:r>
+                <a:rPr lang="en-US" sz="1600" b="1" dirty="0">
+                  <a:latin typeface="Helvetica" pitchFamily="2" charset="0"/>
+                </a:rPr>
+                <a:t>f</a:t>
+              </a:r>
+              <a:endParaRPr lang="en-US" sz="2000" b="1" dirty="0">
+                <a:latin typeface="Helvetica" pitchFamily="2" charset="0"/>
+              </a:endParaRPr>
             </a:p>
           </p:txBody>
         </p:sp>
@@ -5135,7 +4926,7 @@
     </p:spTree>
     <p:extLst>
       <p:ext uri="{BB962C8B-B14F-4D97-AF65-F5344CB8AC3E}">
-        <p14:creationId xmlns:p14="http://schemas.microsoft.com/office/powerpoint/2010/main" val="3185892427"/>
+        <p14:creationId xmlns:p14="http://schemas.microsoft.com/office/powerpoint/2010/main" val="1547235244"/>
       </p:ext>
     </p:extLst>
   </p:cSld>
@@ -5192,10 +4983,10 @@
       </p:sp>
       <p:grpSp>
         <p:nvGrpSpPr>
-          <p:cNvPr id="3" name="Group 2">
-            <a:extLst>
-              <a:ext uri="{FF2B5EF4-FFF2-40B4-BE49-F238E27FC236}">
-                <a16:creationId xmlns:a16="http://schemas.microsoft.com/office/drawing/2014/main" id="{25E9AAB1-24D6-0B4D-B071-64F30CE9CE09}"/>
+          <p:cNvPr id="24" name="Group 23">
+            <a:extLst>
+              <a:ext uri="{FF2B5EF4-FFF2-40B4-BE49-F238E27FC236}">
+                <a16:creationId xmlns:a16="http://schemas.microsoft.com/office/drawing/2014/main" id="{65355D93-C832-CA48-B172-1CBCF1BAB796}"/>
               </a:ext>
             </a:extLst>
           </p:cNvPr>
@@ -5204,652 +4995,423 @@
         </p:nvGrpSpPr>
         <p:grpSpPr>
           <a:xfrm>
-            <a:off x="1125415" y="1171979"/>
-            <a:ext cx="9884216" cy="5543116"/>
-            <a:chOff x="1125415" y="1171979"/>
-            <a:chExt cx="9884216" cy="5543116"/>
+            <a:off x="1358357" y="959132"/>
+            <a:ext cx="9553442" cy="6048792"/>
+            <a:chOff x="1406622" y="977983"/>
+            <a:chExt cx="9553442" cy="6048792"/>
           </a:xfrm>
         </p:grpSpPr>
-        <p:grpSp>
-          <p:nvGrpSpPr>
-            <p:cNvPr id="24" name="Group 23">
+        <p:pic>
+          <p:nvPicPr>
+            <p:cNvPr id="6" name="Picture 5">
               <a:extLst>
                 <a:ext uri="{FF2B5EF4-FFF2-40B4-BE49-F238E27FC236}">
-                  <a16:creationId xmlns:a16="http://schemas.microsoft.com/office/drawing/2014/main" id="{65355D93-C832-CA48-B172-1CBCF1BAB796}"/>
+                  <a16:creationId xmlns:a16="http://schemas.microsoft.com/office/drawing/2014/main" id="{48863605-18D8-1342-AEDF-CE1100B8824A}"/>
                 </a:ext>
               </a:extLst>
             </p:cNvPr>
-            <p:cNvGrpSpPr/>
+            <p:cNvPicPr>
+              <a:picLocks noChangeAspect="1"/>
+            </p:cNvPicPr>
             <p:nvPr/>
-          </p:nvGrpSpPr>
-          <p:grpSpPr>
+          </p:nvPicPr>
+          <p:blipFill>
+            <a:blip r:embed="rId2"/>
+            <a:srcRect l="72" r="72"/>
+            <a:stretch/>
+          </p:blipFill>
+          <p:spPr>
             <a:xfrm>
-              <a:off x="1125415" y="1171979"/>
-              <a:ext cx="9884216" cy="5543116"/>
-              <a:chOff x="1206166" y="1203409"/>
-              <a:chExt cx="9884216" cy="5543116"/>
+              <a:off x="7388348" y="1169588"/>
+              <a:ext cx="3571716" cy="2908161"/>
             </a:xfrm>
-          </p:grpSpPr>
-          <p:pic>
-            <p:nvPicPr>
-              <p:cNvPr id="6" name="Picture 5">
-                <a:extLst>
-                  <a:ext uri="{FF2B5EF4-FFF2-40B4-BE49-F238E27FC236}">
-                    <a16:creationId xmlns:a16="http://schemas.microsoft.com/office/drawing/2014/main" id="{48863605-18D8-1342-AEDF-CE1100B8824A}"/>
-                  </a:ext>
-                </a:extLst>
-              </p:cNvPr>
-              <p:cNvPicPr>
-                <a:picLocks noChangeAspect="1"/>
-              </p:cNvPicPr>
-              <p:nvPr/>
-            </p:nvPicPr>
-            <p:blipFill>
-              <a:blip r:embed="rId2"/>
-              <a:srcRect/>
-              <a:stretch/>
-            </p:blipFill>
-            <p:spPr>
-              <a:xfrm>
-                <a:off x="7826771" y="1372686"/>
-                <a:ext cx="3263611" cy="2651684"/>
-              </a:xfrm>
-              <a:prstGeom prst="rect">
-                <a:avLst/>
-              </a:prstGeom>
-            </p:spPr>
-          </p:pic>
-          <p:pic>
-            <p:nvPicPr>
-              <p:cNvPr id="11" name="Picture 10">
-                <a:extLst>
-                  <a:ext uri="{FF2B5EF4-FFF2-40B4-BE49-F238E27FC236}">
-                    <a16:creationId xmlns:a16="http://schemas.microsoft.com/office/drawing/2014/main" id="{CDE14E8A-7729-3540-B64A-32FDB67C8756}"/>
-                  </a:ext>
-                </a:extLst>
-              </p:cNvPr>
-              <p:cNvPicPr>
-                <a:picLocks noChangeAspect="1"/>
-              </p:cNvPicPr>
-              <p:nvPr/>
-            </p:nvPicPr>
-            <p:blipFill>
-              <a:blip r:embed="rId3"/>
-              <a:srcRect/>
-              <a:stretch/>
-            </p:blipFill>
-            <p:spPr>
-              <a:xfrm>
-                <a:off x="4553411" y="1372686"/>
-                <a:ext cx="3263611" cy="2651684"/>
-              </a:xfrm>
-              <a:prstGeom prst="rect">
-                <a:avLst/>
-              </a:prstGeom>
-            </p:spPr>
-          </p:pic>
-          <p:pic>
-            <p:nvPicPr>
-              <p:cNvPr id="13" name="Picture 12">
-                <a:extLst>
-                  <a:ext uri="{FF2B5EF4-FFF2-40B4-BE49-F238E27FC236}">
-                    <a16:creationId xmlns:a16="http://schemas.microsoft.com/office/drawing/2014/main" id="{4ED08AF6-DCBE-6542-BFAE-AC4F36EC194D}"/>
-                  </a:ext>
-                </a:extLst>
-              </p:cNvPr>
-              <p:cNvPicPr>
-                <a:picLocks noChangeAspect="1"/>
-              </p:cNvPicPr>
-              <p:nvPr/>
-            </p:nvPicPr>
-            <p:blipFill>
-              <a:blip r:embed="rId4"/>
-              <a:srcRect/>
-              <a:stretch/>
-            </p:blipFill>
-            <p:spPr>
-              <a:xfrm>
-                <a:off x="1206166" y="1372686"/>
-                <a:ext cx="3305290" cy="2651683"/>
-              </a:xfrm>
-              <a:prstGeom prst="rect">
-                <a:avLst/>
-              </a:prstGeom>
-            </p:spPr>
-          </p:pic>
-          <p:pic>
-            <p:nvPicPr>
-              <p:cNvPr id="15" name="Picture 14">
-                <a:extLst>
-                  <a:ext uri="{FF2B5EF4-FFF2-40B4-BE49-F238E27FC236}">
-                    <a16:creationId xmlns:a16="http://schemas.microsoft.com/office/drawing/2014/main" id="{B3EE7812-DFAB-D744-8950-2ACB8B9932F2}"/>
-                  </a:ext>
-                </a:extLst>
-              </p:cNvPr>
-              <p:cNvPicPr>
-                <a:picLocks noChangeAspect="1"/>
-              </p:cNvPicPr>
-              <p:nvPr/>
-            </p:nvPicPr>
-            <p:blipFill>
-              <a:blip r:embed="rId5"/>
-              <a:srcRect/>
-              <a:stretch/>
-            </p:blipFill>
-            <p:spPr>
-              <a:xfrm>
-                <a:off x="7826771" y="4092548"/>
-                <a:ext cx="3263611" cy="2651683"/>
-              </a:xfrm>
-              <a:prstGeom prst="rect">
-                <a:avLst/>
-              </a:prstGeom>
-            </p:spPr>
-          </p:pic>
-          <p:pic>
-            <p:nvPicPr>
-              <p:cNvPr id="17" name="Picture 16">
-                <a:extLst>
-                  <a:ext uri="{FF2B5EF4-FFF2-40B4-BE49-F238E27FC236}">
-                    <a16:creationId xmlns:a16="http://schemas.microsoft.com/office/drawing/2014/main" id="{E88C8BAB-89B2-3E49-87FD-62556B11DE64}"/>
-                  </a:ext>
-                </a:extLst>
-              </p:cNvPr>
-              <p:cNvPicPr>
-                <a:picLocks noChangeAspect="1"/>
-              </p:cNvPicPr>
-              <p:nvPr/>
-            </p:nvPicPr>
-            <p:blipFill>
-              <a:blip r:embed="rId6"/>
-              <a:srcRect/>
-              <a:stretch/>
-            </p:blipFill>
-            <p:spPr>
-              <a:xfrm>
-                <a:off x="4553411" y="4094842"/>
-                <a:ext cx="3263611" cy="2651683"/>
-              </a:xfrm>
-              <a:prstGeom prst="rect">
-                <a:avLst/>
-              </a:prstGeom>
-            </p:spPr>
-          </p:pic>
-          <p:pic>
-            <p:nvPicPr>
-              <p:cNvPr id="19" name="Picture 18">
-                <a:extLst>
-                  <a:ext uri="{FF2B5EF4-FFF2-40B4-BE49-F238E27FC236}">
-                    <a16:creationId xmlns:a16="http://schemas.microsoft.com/office/drawing/2014/main" id="{6A6FB541-AE88-A34A-9A34-053855BEA8CE}"/>
-                  </a:ext>
-                </a:extLst>
-              </p:cNvPr>
-              <p:cNvPicPr>
-                <a:picLocks noChangeAspect="1"/>
-              </p:cNvPicPr>
-              <p:nvPr/>
-            </p:nvPicPr>
-            <p:blipFill>
-              <a:blip r:embed="rId7"/>
-              <a:srcRect/>
-              <a:stretch/>
-            </p:blipFill>
-            <p:spPr>
-              <a:xfrm>
-                <a:off x="1263118" y="4092548"/>
-                <a:ext cx="3263611" cy="2651683"/>
-              </a:xfrm>
-              <a:prstGeom prst="rect">
-                <a:avLst/>
-              </a:prstGeom>
-            </p:spPr>
-          </p:pic>
-          <p:sp>
-            <p:nvSpPr>
-              <p:cNvPr id="8" name="TextBox 7">
-                <a:extLst>
-                  <a:ext uri="{FF2B5EF4-FFF2-40B4-BE49-F238E27FC236}">
-                    <a16:creationId xmlns:a16="http://schemas.microsoft.com/office/drawing/2014/main" id="{0FEBDF1E-D0B9-7244-92D8-A90727A1003C}"/>
-                  </a:ext>
-                </a:extLst>
-              </p:cNvPr>
-              <p:cNvSpPr txBox="1"/>
-              <p:nvPr/>
-            </p:nvSpPr>
-            <p:spPr>
-              <a:xfrm>
-                <a:off x="1787831" y="1203409"/>
-                <a:ext cx="280461" cy="338554"/>
-              </a:xfrm>
-              <a:prstGeom prst="rect">
-                <a:avLst/>
-              </a:prstGeom>
-              <a:noFill/>
-            </p:spPr>
-            <p:txBody>
-              <a:bodyPr wrap="square" rtlCol="0">
-                <a:spAutoFit/>
-              </a:bodyPr>
-              <a:lstStyle/>
-              <a:p>
-                <a:r>
-                  <a:rPr lang="en-US" sz="1600" b="1" dirty="0">
-                    <a:latin typeface="Helvetica" pitchFamily="2" charset="0"/>
-                  </a:rPr>
-                  <a:t>a</a:t>
-                </a:r>
-                <a:endParaRPr lang="en-US" sz="2000" b="1" dirty="0">
-                  <a:latin typeface="Helvetica" pitchFamily="2" charset="0"/>
-                </a:endParaRPr>
-              </a:p>
-            </p:txBody>
-          </p:sp>
-          <p:sp>
-            <p:nvSpPr>
-              <p:cNvPr id="9" name="TextBox 8">
-                <a:extLst>
-                  <a:ext uri="{FF2B5EF4-FFF2-40B4-BE49-F238E27FC236}">
-                    <a16:creationId xmlns:a16="http://schemas.microsoft.com/office/drawing/2014/main" id="{F58E54F3-6A00-E242-B582-FC6597FCF8DE}"/>
-                  </a:ext>
-                </a:extLst>
-              </p:cNvPr>
-              <p:cNvSpPr txBox="1"/>
-              <p:nvPr/>
-            </p:nvSpPr>
-            <p:spPr>
-              <a:xfrm>
-                <a:off x="5078124" y="1203409"/>
-                <a:ext cx="280461" cy="338554"/>
-              </a:xfrm>
-              <a:prstGeom prst="rect">
-                <a:avLst/>
-              </a:prstGeom>
-              <a:noFill/>
-            </p:spPr>
-            <p:txBody>
-              <a:bodyPr wrap="square" rtlCol="0">
-                <a:spAutoFit/>
-              </a:bodyPr>
-              <a:lstStyle/>
-              <a:p>
-                <a:r>
-                  <a:rPr lang="en-US" sz="1600" b="1" dirty="0">
-                    <a:latin typeface="Helvetica" pitchFamily="2" charset="0"/>
-                  </a:rPr>
-                  <a:t>b</a:t>
-                </a:r>
-                <a:endParaRPr lang="en-US" sz="2000" b="1" dirty="0">
-                  <a:latin typeface="Helvetica" pitchFamily="2" charset="0"/>
-                </a:endParaRPr>
-              </a:p>
-            </p:txBody>
-          </p:sp>
-          <p:sp>
-            <p:nvSpPr>
-              <p:cNvPr id="20" name="TextBox 19">
-                <a:extLst>
-                  <a:ext uri="{FF2B5EF4-FFF2-40B4-BE49-F238E27FC236}">
-                    <a16:creationId xmlns:a16="http://schemas.microsoft.com/office/drawing/2014/main" id="{0D6BE166-15EF-7C42-9882-6E1623CEA1C1}"/>
-                  </a:ext>
-                </a:extLst>
-              </p:cNvPr>
-              <p:cNvSpPr txBox="1"/>
-              <p:nvPr/>
-            </p:nvSpPr>
-            <p:spPr>
-              <a:xfrm>
-                <a:off x="8368417" y="1203409"/>
-                <a:ext cx="280461" cy="338554"/>
-              </a:xfrm>
-              <a:prstGeom prst="rect">
-                <a:avLst/>
-              </a:prstGeom>
-              <a:noFill/>
-            </p:spPr>
-            <p:txBody>
-              <a:bodyPr wrap="square" rtlCol="0">
-                <a:spAutoFit/>
-              </a:bodyPr>
-              <a:lstStyle/>
-              <a:p>
-                <a:r>
-                  <a:rPr lang="en-US" sz="1600" b="1" dirty="0">
-                    <a:latin typeface="Helvetica" pitchFamily="2" charset="0"/>
-                  </a:rPr>
-                  <a:t>c</a:t>
-                </a:r>
-                <a:endParaRPr lang="en-US" sz="2000" b="1" dirty="0">
-                  <a:latin typeface="Helvetica" pitchFamily="2" charset="0"/>
-                </a:endParaRPr>
-              </a:p>
-            </p:txBody>
-          </p:sp>
-          <p:sp>
-            <p:nvSpPr>
-              <p:cNvPr id="21" name="TextBox 20">
-                <a:extLst>
-                  <a:ext uri="{FF2B5EF4-FFF2-40B4-BE49-F238E27FC236}">
-                    <a16:creationId xmlns:a16="http://schemas.microsoft.com/office/drawing/2014/main" id="{F06CF8BF-C290-6C4B-9790-78435069CECF}"/>
-                  </a:ext>
-                </a:extLst>
-              </p:cNvPr>
-              <p:cNvSpPr txBox="1"/>
-              <p:nvPr/>
-            </p:nvSpPr>
-            <p:spPr>
-              <a:xfrm>
-                <a:off x="1787831" y="3925655"/>
-                <a:ext cx="280461" cy="338554"/>
-              </a:xfrm>
-              <a:prstGeom prst="rect">
-                <a:avLst/>
-              </a:prstGeom>
-              <a:noFill/>
-            </p:spPr>
-            <p:txBody>
-              <a:bodyPr wrap="square" rtlCol="0">
-                <a:spAutoFit/>
-              </a:bodyPr>
-              <a:lstStyle/>
-              <a:p>
-                <a:r>
-                  <a:rPr lang="en-US" sz="1600" b="1" dirty="0">
-                    <a:latin typeface="Helvetica" pitchFamily="2" charset="0"/>
-                  </a:rPr>
-                  <a:t>d</a:t>
-                </a:r>
-                <a:endParaRPr lang="en-US" sz="2000" b="1" dirty="0">
-                  <a:latin typeface="Helvetica" pitchFamily="2" charset="0"/>
-                </a:endParaRPr>
-              </a:p>
-            </p:txBody>
-          </p:sp>
-          <p:sp>
-            <p:nvSpPr>
-              <p:cNvPr id="22" name="TextBox 21">
-                <a:extLst>
-                  <a:ext uri="{FF2B5EF4-FFF2-40B4-BE49-F238E27FC236}">
-                    <a16:creationId xmlns:a16="http://schemas.microsoft.com/office/drawing/2014/main" id="{08F237CD-980A-734F-80A4-817AF2526E0B}"/>
-                  </a:ext>
-                </a:extLst>
-              </p:cNvPr>
-              <p:cNvSpPr txBox="1"/>
-              <p:nvPr/>
-            </p:nvSpPr>
-            <p:spPr>
-              <a:xfrm>
-                <a:off x="5078124" y="3925655"/>
-                <a:ext cx="280461" cy="338554"/>
-              </a:xfrm>
-              <a:prstGeom prst="rect">
-                <a:avLst/>
-              </a:prstGeom>
-              <a:noFill/>
-            </p:spPr>
-            <p:txBody>
-              <a:bodyPr wrap="square" rtlCol="0">
-                <a:spAutoFit/>
-              </a:bodyPr>
-              <a:lstStyle/>
-              <a:p>
-                <a:r>
-                  <a:rPr lang="en-US" sz="1600" b="1" dirty="0">
-                    <a:latin typeface="Helvetica" pitchFamily="2" charset="0"/>
-                  </a:rPr>
-                  <a:t>e</a:t>
-                </a:r>
-                <a:endParaRPr lang="en-US" sz="2000" b="1" dirty="0">
-                  <a:latin typeface="Helvetica" pitchFamily="2" charset="0"/>
-                </a:endParaRPr>
-              </a:p>
-            </p:txBody>
-          </p:sp>
-          <p:sp>
-            <p:nvSpPr>
-              <p:cNvPr id="23" name="TextBox 22">
-                <a:extLst>
-                  <a:ext uri="{FF2B5EF4-FFF2-40B4-BE49-F238E27FC236}">
-                    <a16:creationId xmlns:a16="http://schemas.microsoft.com/office/drawing/2014/main" id="{58A11E04-D4B1-994E-BE21-C964DB186F47}"/>
-                  </a:ext>
-                </a:extLst>
-              </p:cNvPr>
-              <p:cNvSpPr txBox="1"/>
-              <p:nvPr/>
-            </p:nvSpPr>
-            <p:spPr>
-              <a:xfrm>
-                <a:off x="8368417" y="3925655"/>
-                <a:ext cx="280461" cy="338554"/>
-              </a:xfrm>
-              <a:prstGeom prst="rect">
-                <a:avLst/>
-              </a:prstGeom>
-              <a:noFill/>
-            </p:spPr>
-            <p:txBody>
-              <a:bodyPr wrap="square" rtlCol="0">
-                <a:spAutoFit/>
-              </a:bodyPr>
-              <a:lstStyle/>
-              <a:p>
-                <a:r>
-                  <a:rPr lang="en-US" sz="1600" b="1" dirty="0">
-                    <a:latin typeface="Helvetica" pitchFamily="2" charset="0"/>
-                  </a:rPr>
-                  <a:t>f</a:t>
-                </a:r>
-                <a:endParaRPr lang="en-US" sz="2000" b="1" dirty="0">
-                  <a:latin typeface="Helvetica" pitchFamily="2" charset="0"/>
-                </a:endParaRPr>
-              </a:p>
-            </p:txBody>
-          </p:sp>
-        </p:grpSp>
-        <p:sp>
-          <p:nvSpPr>
-            <p:cNvPr id="16" name="Rectangle 15">
+            <a:prstGeom prst="rect">
+              <a:avLst/>
+            </a:prstGeom>
+          </p:spPr>
+        </p:pic>
+        <p:pic>
+          <p:nvPicPr>
+            <p:cNvPr id="11" name="Picture 10">
               <a:extLst>
                 <a:ext uri="{FF2B5EF4-FFF2-40B4-BE49-F238E27FC236}">
-                  <a16:creationId xmlns:a16="http://schemas.microsoft.com/office/drawing/2014/main" id="{834CAAA7-55B8-4745-B166-36930F9715FC}"/>
+                  <a16:creationId xmlns:a16="http://schemas.microsoft.com/office/drawing/2014/main" id="{CDE14E8A-7729-3540-B64A-32FDB67C8756}"/>
                 </a:ext>
               </a:extLst>
             </p:cNvPr>
-            <p:cNvSpPr/>
+            <p:cNvPicPr>
+              <a:picLocks noChangeAspect="1"/>
+            </p:cNvPicPr>
+            <p:nvPr/>
+          </p:nvPicPr>
+          <p:blipFill>
+            <a:blip r:embed="rId3"/>
+            <a:srcRect l="115" r="115"/>
+            <a:stretch/>
+          </p:blipFill>
+          <p:spPr>
+            <a:xfrm>
+              <a:off x="4397485" y="1147260"/>
+              <a:ext cx="3571716" cy="2910680"/>
+            </a:xfrm>
+            <a:prstGeom prst="rect">
+              <a:avLst/>
+            </a:prstGeom>
+          </p:spPr>
+        </p:pic>
+        <p:pic>
+          <p:nvPicPr>
+            <p:cNvPr id="13" name="Picture 12">
+              <a:extLst>
+                <a:ext uri="{FF2B5EF4-FFF2-40B4-BE49-F238E27FC236}">
+                  <a16:creationId xmlns:a16="http://schemas.microsoft.com/office/drawing/2014/main" id="{4ED08AF6-DCBE-6542-BFAE-AC4F36EC194D}"/>
+                </a:ext>
+              </a:extLst>
+            </p:cNvPr>
+            <p:cNvPicPr>
+              <a:picLocks noChangeAspect="1"/>
+            </p:cNvPicPr>
+            <p:nvPr/>
+          </p:nvPicPr>
+          <p:blipFill>
+            <a:blip r:embed="rId4"/>
+            <a:srcRect/>
+            <a:stretch/>
+          </p:blipFill>
+          <p:spPr>
+            <a:xfrm>
+              <a:off x="1406622" y="1182301"/>
+              <a:ext cx="3571716" cy="2903960"/>
+            </a:xfrm>
+            <a:prstGeom prst="rect">
+              <a:avLst/>
+            </a:prstGeom>
+          </p:spPr>
+        </p:pic>
+        <p:pic>
+          <p:nvPicPr>
+            <p:cNvPr id="15" name="Picture 14">
+              <a:extLst>
+                <a:ext uri="{FF2B5EF4-FFF2-40B4-BE49-F238E27FC236}">
+                  <a16:creationId xmlns:a16="http://schemas.microsoft.com/office/drawing/2014/main" id="{B3EE7812-DFAB-D744-8950-2ACB8B9932F2}"/>
+                </a:ext>
+              </a:extLst>
+            </p:cNvPr>
+            <p:cNvPicPr>
+              <a:picLocks noChangeAspect="1"/>
+            </p:cNvPicPr>
+            <p:nvPr/>
+          </p:nvPicPr>
+          <p:blipFill>
+            <a:blip r:embed="rId5"/>
+            <a:srcRect/>
+            <a:stretch/>
+          </p:blipFill>
+          <p:spPr>
+            <a:xfrm>
+              <a:off x="7383182" y="4118615"/>
+              <a:ext cx="3576882" cy="2908160"/>
+            </a:xfrm>
+            <a:prstGeom prst="rect">
+              <a:avLst/>
+            </a:prstGeom>
+          </p:spPr>
+        </p:pic>
+        <p:pic>
+          <p:nvPicPr>
+            <p:cNvPr id="17" name="Picture 16">
+              <a:extLst>
+                <a:ext uri="{FF2B5EF4-FFF2-40B4-BE49-F238E27FC236}">
+                  <a16:creationId xmlns:a16="http://schemas.microsoft.com/office/drawing/2014/main" id="{E88C8BAB-89B2-3E49-87FD-62556B11DE64}"/>
+                </a:ext>
+              </a:extLst>
+            </p:cNvPr>
+            <p:cNvPicPr>
+              <a:picLocks noChangeAspect="1"/>
+            </p:cNvPicPr>
+            <p:nvPr/>
+          </p:nvPicPr>
+          <p:blipFill>
+            <a:blip r:embed="rId6"/>
+            <a:srcRect/>
+            <a:stretch/>
+          </p:blipFill>
+          <p:spPr>
+            <a:xfrm>
+              <a:off x="4402138" y="4116096"/>
+              <a:ext cx="3571717" cy="2903962"/>
+            </a:xfrm>
+            <a:prstGeom prst="rect">
+              <a:avLst/>
+            </a:prstGeom>
+          </p:spPr>
+        </p:pic>
+        <p:pic>
+          <p:nvPicPr>
+            <p:cNvPr id="19" name="Picture 18">
+              <a:extLst>
+                <a:ext uri="{FF2B5EF4-FFF2-40B4-BE49-F238E27FC236}">
+                  <a16:creationId xmlns:a16="http://schemas.microsoft.com/office/drawing/2014/main" id="{6A6FB541-AE88-A34A-9A34-053855BEA8CE}"/>
+                </a:ext>
+              </a:extLst>
+            </p:cNvPr>
+            <p:cNvPicPr>
+              <a:picLocks noChangeAspect="1"/>
+            </p:cNvPicPr>
+            <p:nvPr/>
+          </p:nvPicPr>
+          <p:blipFill>
+            <a:blip r:embed="rId7"/>
+            <a:srcRect/>
+            <a:stretch/>
+          </p:blipFill>
+          <p:spPr>
+            <a:xfrm>
+              <a:off x="1413964" y="4119054"/>
+              <a:ext cx="3571716" cy="2903960"/>
+            </a:xfrm>
+            <a:prstGeom prst="rect">
+              <a:avLst/>
+            </a:prstGeom>
+          </p:spPr>
+        </p:pic>
+        <p:sp>
+          <p:nvSpPr>
+            <p:cNvPr id="8" name="TextBox 7">
+              <a:extLst>
+                <a:ext uri="{FF2B5EF4-FFF2-40B4-BE49-F238E27FC236}">
+                  <a16:creationId xmlns:a16="http://schemas.microsoft.com/office/drawing/2014/main" id="{0FEBDF1E-D0B9-7244-92D8-A90727A1003C}"/>
+                </a:ext>
+              </a:extLst>
+            </p:cNvPr>
+            <p:cNvSpPr txBox="1"/>
             <p:nvPr/>
           </p:nvSpPr>
           <p:spPr>
             <a:xfrm>
-              <a:off x="4483219" y="1292784"/>
-              <a:ext cx="461640" cy="2311547"/>
+              <a:off x="2105614" y="977983"/>
+              <a:ext cx="280461" cy="338554"/>
             </a:xfrm>
             <a:prstGeom prst="rect">
               <a:avLst/>
             </a:prstGeom>
-            <a:solidFill>
-              <a:schemeClr val="bg1"/>
-            </a:solidFill>
-            <a:ln>
-              <a:noFill/>
-            </a:ln>
+            <a:noFill/>
           </p:spPr>
-          <p:style>
-            <a:lnRef idx="2">
-              <a:schemeClr val="accent1">
-                <a:shade val="50000"/>
-              </a:schemeClr>
-            </a:lnRef>
-            <a:fillRef idx="1">
-              <a:schemeClr val="accent1"/>
-            </a:fillRef>
-            <a:effectRef idx="0">
-              <a:schemeClr val="accent1"/>
-            </a:effectRef>
-            <a:fontRef idx="minor">
-              <a:schemeClr val="lt1"/>
-            </a:fontRef>
-          </p:style>
           <p:txBody>
-            <a:bodyPr rtlCol="0" anchor="ctr"/>
+            <a:bodyPr wrap="square" rtlCol="0">
+              <a:spAutoFit/>
+            </a:bodyPr>
             <a:lstStyle/>
             <a:p>
-              <a:pPr algn="ctr"/>
-              <a:endParaRPr lang="en-US" dirty="0"/>
+              <a:r>
+                <a:rPr lang="en-US" sz="1600" b="1" dirty="0">
+                  <a:latin typeface="Helvetica" pitchFamily="2" charset="0"/>
+                </a:rPr>
+                <a:t>a</a:t>
+              </a:r>
+              <a:endParaRPr lang="en-US" sz="2000" b="1" dirty="0">
+                <a:latin typeface="Helvetica" pitchFamily="2" charset="0"/>
+              </a:endParaRPr>
             </a:p>
           </p:txBody>
         </p:sp>
         <p:sp>
           <p:nvSpPr>
-            <p:cNvPr id="18" name="Rectangle 17">
+            <p:cNvPr id="9" name="TextBox 8">
               <a:extLst>
                 <a:ext uri="{FF2B5EF4-FFF2-40B4-BE49-F238E27FC236}">
-                  <a16:creationId xmlns:a16="http://schemas.microsoft.com/office/drawing/2014/main" id="{01965F3F-64FB-FE4F-9ED4-92AA9C9F6F4A}"/>
+                  <a16:creationId xmlns:a16="http://schemas.microsoft.com/office/drawing/2014/main" id="{F58E54F3-6A00-E242-B582-FC6597FCF8DE}"/>
                 </a:ext>
               </a:extLst>
             </p:cNvPr>
-            <p:cNvSpPr/>
+            <p:cNvSpPr txBox="1"/>
             <p:nvPr/>
           </p:nvSpPr>
           <p:spPr>
             <a:xfrm>
-              <a:off x="7755747" y="1379242"/>
-              <a:ext cx="461640" cy="2311547"/>
+              <a:off x="5095884" y="1009681"/>
+              <a:ext cx="280461" cy="338554"/>
             </a:xfrm>
             <a:prstGeom prst="rect">
               <a:avLst/>
             </a:prstGeom>
-            <a:solidFill>
-              <a:schemeClr val="bg1"/>
-            </a:solidFill>
-            <a:ln>
-              <a:noFill/>
-            </a:ln>
+            <a:noFill/>
           </p:spPr>
-          <p:style>
-            <a:lnRef idx="2">
-              <a:schemeClr val="accent1">
-                <a:shade val="50000"/>
-              </a:schemeClr>
-            </a:lnRef>
-            <a:fillRef idx="1">
-              <a:schemeClr val="accent1"/>
-            </a:fillRef>
-            <a:effectRef idx="0">
-              <a:schemeClr val="accent1"/>
-            </a:effectRef>
-            <a:fontRef idx="minor">
-              <a:schemeClr val="lt1"/>
-            </a:fontRef>
-          </p:style>
           <p:txBody>
-            <a:bodyPr rtlCol="0" anchor="ctr"/>
+            <a:bodyPr wrap="square" rtlCol="0">
+              <a:spAutoFit/>
+            </a:bodyPr>
             <a:lstStyle/>
             <a:p>
-              <a:pPr algn="ctr"/>
-              <a:endParaRPr lang="en-US"/>
+              <a:r>
+                <a:rPr lang="en-US" sz="1600" b="1" dirty="0">
+                  <a:latin typeface="Helvetica" pitchFamily="2" charset="0"/>
+                </a:rPr>
+                <a:t>b</a:t>
+              </a:r>
+              <a:endParaRPr lang="en-US" sz="2000" b="1" dirty="0">
+                <a:latin typeface="Helvetica" pitchFamily="2" charset="0"/>
+              </a:endParaRPr>
             </a:p>
           </p:txBody>
         </p:sp>
         <p:sp>
           <p:nvSpPr>
-            <p:cNvPr id="25" name="Rectangle 24">
+            <p:cNvPr id="20" name="TextBox 19">
               <a:extLst>
                 <a:ext uri="{FF2B5EF4-FFF2-40B4-BE49-F238E27FC236}">
-                  <a16:creationId xmlns:a16="http://schemas.microsoft.com/office/drawing/2014/main" id="{9E288185-A411-3948-A7F3-F129C5248634}"/>
+                  <a16:creationId xmlns:a16="http://schemas.microsoft.com/office/drawing/2014/main" id="{0D6BE166-15EF-7C42-9882-6E1623CEA1C1}"/>
                 </a:ext>
               </a:extLst>
             </p:cNvPr>
-            <p:cNvSpPr/>
+            <p:cNvSpPr txBox="1"/>
             <p:nvPr/>
           </p:nvSpPr>
           <p:spPr>
             <a:xfrm>
-              <a:off x="7737120" y="4110276"/>
-              <a:ext cx="461640" cy="2311547"/>
+              <a:off x="8107935" y="997792"/>
+              <a:ext cx="280461" cy="338554"/>
             </a:xfrm>
             <a:prstGeom prst="rect">
               <a:avLst/>
             </a:prstGeom>
-            <a:solidFill>
-              <a:schemeClr val="bg1"/>
-            </a:solidFill>
-            <a:ln>
-              <a:noFill/>
-            </a:ln>
+            <a:noFill/>
           </p:spPr>
-          <p:style>
-            <a:lnRef idx="2">
-              <a:schemeClr val="accent1">
-                <a:shade val="50000"/>
-              </a:schemeClr>
-            </a:lnRef>
-            <a:fillRef idx="1">
-              <a:schemeClr val="accent1"/>
-            </a:fillRef>
-            <a:effectRef idx="0">
-              <a:schemeClr val="accent1"/>
-            </a:effectRef>
-            <a:fontRef idx="minor">
-              <a:schemeClr val="lt1"/>
-            </a:fontRef>
-          </p:style>
           <p:txBody>
-            <a:bodyPr rtlCol="0" anchor="ctr"/>
+            <a:bodyPr wrap="square" rtlCol="0">
+              <a:spAutoFit/>
+            </a:bodyPr>
             <a:lstStyle/>
             <a:p>
-              <a:pPr algn="ctr"/>
-              <a:endParaRPr lang="en-US"/>
+              <a:r>
+                <a:rPr lang="en-US" sz="1600" b="1" dirty="0">
+                  <a:latin typeface="Helvetica" pitchFamily="2" charset="0"/>
+                </a:rPr>
+                <a:t>c</a:t>
+              </a:r>
+              <a:endParaRPr lang="en-US" sz="2000" b="1" dirty="0">
+                <a:latin typeface="Helvetica" pitchFamily="2" charset="0"/>
+              </a:endParaRPr>
             </a:p>
           </p:txBody>
         </p:sp>
         <p:sp>
           <p:nvSpPr>
-            <p:cNvPr id="26" name="Rectangle 25">
+            <p:cNvPr id="21" name="TextBox 20">
               <a:extLst>
                 <a:ext uri="{FF2B5EF4-FFF2-40B4-BE49-F238E27FC236}">
-                  <a16:creationId xmlns:a16="http://schemas.microsoft.com/office/drawing/2014/main" id="{11AC52A7-07C7-B044-9093-37CCCE1EA42E}"/>
+                  <a16:creationId xmlns:a16="http://schemas.microsoft.com/office/drawing/2014/main" id="{F06CF8BF-C290-6C4B-9790-78435069CECF}"/>
                 </a:ext>
               </a:extLst>
             </p:cNvPr>
-            <p:cNvSpPr/>
+            <p:cNvSpPr txBox="1"/>
             <p:nvPr/>
           </p:nvSpPr>
           <p:spPr>
             <a:xfrm>
-              <a:off x="4450111" y="4110276"/>
-              <a:ext cx="461640" cy="2311547"/>
+              <a:off x="2105614" y="3946819"/>
+              <a:ext cx="280461" cy="338554"/>
             </a:xfrm>
             <a:prstGeom prst="rect">
               <a:avLst/>
             </a:prstGeom>
-            <a:solidFill>
-              <a:schemeClr val="bg1"/>
-            </a:solidFill>
-            <a:ln>
-              <a:noFill/>
-            </a:ln>
+            <a:noFill/>
           </p:spPr>
-          <p:style>
-            <a:lnRef idx="2">
-              <a:schemeClr val="accent1">
-                <a:shade val="50000"/>
-              </a:schemeClr>
-            </a:lnRef>
-            <a:fillRef idx="1">
-              <a:schemeClr val="accent1"/>
-            </a:fillRef>
-            <a:effectRef idx="0">
-              <a:schemeClr val="accent1"/>
-            </a:effectRef>
-            <a:fontRef idx="minor">
-              <a:schemeClr val="lt1"/>
-            </a:fontRef>
-          </p:style>
           <p:txBody>
-            <a:bodyPr rtlCol="0" anchor="ctr"/>
+            <a:bodyPr wrap="square" rtlCol="0">
+              <a:spAutoFit/>
+            </a:bodyPr>
             <a:lstStyle/>
             <a:p>
-              <a:pPr algn="ctr"/>
-              <a:endParaRPr lang="en-US"/>
+              <a:r>
+                <a:rPr lang="en-US" sz="1600" b="1" dirty="0">
+                  <a:latin typeface="Helvetica" pitchFamily="2" charset="0"/>
+                </a:rPr>
+                <a:t>d</a:t>
+              </a:r>
+              <a:endParaRPr lang="en-US" sz="2000" b="1" dirty="0">
+                <a:latin typeface="Helvetica" pitchFamily="2" charset="0"/>
+              </a:endParaRPr>
+            </a:p>
+          </p:txBody>
+        </p:sp>
+        <p:sp>
+          <p:nvSpPr>
+            <p:cNvPr id="22" name="TextBox 21">
+              <a:extLst>
+                <a:ext uri="{FF2B5EF4-FFF2-40B4-BE49-F238E27FC236}">
+                  <a16:creationId xmlns:a16="http://schemas.microsoft.com/office/drawing/2014/main" id="{08F237CD-980A-734F-80A4-817AF2526E0B}"/>
+                </a:ext>
+              </a:extLst>
+            </p:cNvPr>
+            <p:cNvSpPr txBox="1"/>
+            <p:nvPr/>
+          </p:nvSpPr>
+          <p:spPr>
+            <a:xfrm>
+              <a:off x="5095885" y="3916985"/>
+              <a:ext cx="280461" cy="338554"/>
+            </a:xfrm>
+            <a:prstGeom prst="rect">
+              <a:avLst/>
+            </a:prstGeom>
+            <a:noFill/>
+          </p:spPr>
+          <p:txBody>
+            <a:bodyPr wrap="square" rtlCol="0">
+              <a:spAutoFit/>
+            </a:bodyPr>
+            <a:lstStyle/>
+            <a:p>
+              <a:r>
+                <a:rPr lang="en-US" sz="1600" b="1" dirty="0">
+                  <a:latin typeface="Helvetica" pitchFamily="2" charset="0"/>
+                </a:rPr>
+                <a:t>e</a:t>
+              </a:r>
+              <a:endParaRPr lang="en-US" sz="2000" b="1" dirty="0">
+                <a:latin typeface="Helvetica" pitchFamily="2" charset="0"/>
+              </a:endParaRPr>
+            </a:p>
+          </p:txBody>
+        </p:sp>
+        <p:sp>
+          <p:nvSpPr>
+            <p:cNvPr id="23" name="TextBox 22">
+              <a:extLst>
+                <a:ext uri="{FF2B5EF4-FFF2-40B4-BE49-F238E27FC236}">
+                  <a16:creationId xmlns:a16="http://schemas.microsoft.com/office/drawing/2014/main" id="{58A11E04-D4B1-994E-BE21-C964DB186F47}"/>
+                </a:ext>
+              </a:extLst>
+            </p:cNvPr>
+            <p:cNvSpPr txBox="1"/>
+            <p:nvPr/>
+          </p:nvSpPr>
+          <p:spPr>
+            <a:xfrm>
+              <a:off x="8107935" y="3908472"/>
+              <a:ext cx="280461" cy="338554"/>
+            </a:xfrm>
+            <a:prstGeom prst="rect">
+              <a:avLst/>
+            </a:prstGeom>
+            <a:noFill/>
+          </p:spPr>
+          <p:txBody>
+            <a:bodyPr wrap="square" rtlCol="0">
+              <a:spAutoFit/>
+            </a:bodyPr>
+            <a:lstStyle/>
+            <a:p>
+              <a:r>
+                <a:rPr lang="en-US" sz="1600" b="1" dirty="0">
+                  <a:latin typeface="Helvetica" pitchFamily="2" charset="0"/>
+                </a:rPr>
+                <a:t>f</a:t>
+              </a:r>
+              <a:endParaRPr lang="en-US" sz="2000" b="1" dirty="0">
+                <a:latin typeface="Helvetica" pitchFamily="2" charset="0"/>
+              </a:endParaRPr>
             </a:p>
           </p:txBody>
         </p:sp>
@@ -5857,7 +5419,7 @@
     </p:spTree>
     <p:extLst>
       <p:ext uri="{BB962C8B-B14F-4D97-AF65-F5344CB8AC3E}">
-        <p14:creationId xmlns:p14="http://schemas.microsoft.com/office/powerpoint/2010/main" val="1739330104"/>
+        <p14:creationId xmlns:p14="http://schemas.microsoft.com/office/powerpoint/2010/main" val="2577057693"/>
       </p:ext>
     </p:extLst>
   </p:cSld>
@@ -5926,10 +5488,10 @@
         </p:nvGrpSpPr>
         <p:grpSpPr>
           <a:xfrm>
-            <a:off x="363165" y="1377469"/>
-            <a:ext cx="8802869" cy="5200006"/>
-            <a:chOff x="363165" y="1377469"/>
-            <a:chExt cx="8802869" cy="5200006"/>
+            <a:off x="433607" y="1204709"/>
+            <a:ext cx="10760555" cy="5321556"/>
+            <a:chOff x="465586" y="1267771"/>
+            <a:chExt cx="10760555" cy="5321556"/>
           </a:xfrm>
         </p:grpSpPr>
         <p:grpSp>
@@ -5946,10 +5508,10 @@
           </p:nvGrpSpPr>
           <p:grpSpPr>
             <a:xfrm>
-              <a:off x="363165" y="1656029"/>
-              <a:ext cx="8802869" cy="4921446"/>
-              <a:chOff x="363165" y="1656029"/>
-              <a:chExt cx="8802869" cy="4921446"/>
+              <a:off x="465586" y="1667881"/>
+              <a:ext cx="10760555" cy="4921446"/>
+              <a:chOff x="465586" y="1667881"/>
+              <a:chExt cx="10760555" cy="4921446"/>
             </a:xfrm>
           </p:grpSpPr>
           <p:pic>
@@ -5968,12 +5530,12 @@
             </p:nvPicPr>
             <p:blipFill>
               <a:blip r:embed="rId2"/>
-              <a:srcRect l="315" r="315"/>
+              <a:srcRect l="276" r="276"/>
               <a:stretch/>
             </p:blipFill>
             <p:spPr>
               <a:xfrm>
-                <a:off x="363165" y="1656029"/>
+                <a:off x="465586" y="1667881"/>
                 <a:ext cx="8802869" cy="4921446"/>
               </a:xfrm>
               <a:prstGeom prst="rect">
@@ -6002,8 +5564,8 @@
             </p:blipFill>
             <p:spPr>
               <a:xfrm>
-                <a:off x="977532" y="5573572"/>
-                <a:ext cx="1445740" cy="420129"/>
+                <a:off x="9166034" y="3192730"/>
+                <a:ext cx="2060107" cy="598663"/>
               </a:xfrm>
               <a:prstGeom prst="rect">
                 <a:avLst/>
@@ -6025,8 +5587,8 @@
           </p:nvSpPr>
           <p:spPr>
             <a:xfrm>
-              <a:off x="1274171" y="1377469"/>
-              <a:ext cx="280461" cy="369332"/>
+              <a:off x="1418188" y="1267771"/>
+              <a:ext cx="280461" cy="400110"/>
             </a:xfrm>
             <a:prstGeom prst="rect">
               <a:avLst/>
@@ -6040,12 +5602,12 @@
             <a:lstStyle/>
             <a:p>
               <a:r>
-                <a:rPr lang="en-US" b="1" dirty="0">
+                <a:rPr lang="en-US" sz="2000" b="1" dirty="0">
                   <a:latin typeface="Helvetica" pitchFamily="2" charset="0"/>
                 </a:rPr>
                 <a:t>a</a:t>
               </a:r>
-              <a:endParaRPr lang="en-US" sz="2400" b="1" dirty="0">
+              <a:endParaRPr lang="en-US" sz="2800" b="1" dirty="0">
                 <a:latin typeface="Helvetica" pitchFamily="2" charset="0"/>
               </a:endParaRPr>
             </a:p>
@@ -6065,8 +5627,8 @@
           </p:nvSpPr>
           <p:spPr>
             <a:xfrm>
-              <a:off x="5328386" y="1377469"/>
-              <a:ext cx="280461" cy="369332"/>
+              <a:off x="5398501" y="1267771"/>
+              <a:ext cx="280461" cy="400110"/>
             </a:xfrm>
             <a:prstGeom prst="rect">
               <a:avLst/>
@@ -6080,12 +5642,12 @@
             <a:lstStyle/>
             <a:p>
               <a:r>
-                <a:rPr lang="en-US" b="1" dirty="0">
+                <a:rPr lang="en-US" sz="2000" b="1" dirty="0">
                   <a:latin typeface="Helvetica" pitchFamily="2" charset="0"/>
                 </a:rPr>
                 <a:t>b</a:t>
               </a:r>
-              <a:endParaRPr lang="en-US" sz="2400" b="1" dirty="0">
+              <a:endParaRPr lang="en-US" sz="2800" b="1" dirty="0">
                 <a:latin typeface="Helvetica" pitchFamily="2" charset="0"/>
               </a:endParaRPr>
             </a:p>
@@ -6244,9 +5806,9 @@
         <p:grpSpPr>
           <a:xfrm>
             <a:off x="2441574" y="-746056"/>
-            <a:ext cx="7292976" cy="7604056"/>
+            <a:ext cx="7218156" cy="7604056"/>
             <a:chOff x="2441574" y="-746056"/>
-            <a:chExt cx="7292976" cy="7604056"/>
+            <a:chExt cx="7218156" cy="7604056"/>
           </a:xfrm>
         </p:grpSpPr>
         <p:grpSp>
@@ -6264,9 +5826,9 @@
           <p:grpSpPr>
             <a:xfrm>
               <a:off x="2441574" y="-746056"/>
-              <a:ext cx="7292976" cy="7604056"/>
+              <a:ext cx="7218156" cy="7604056"/>
               <a:chOff x="2441574" y="-746056"/>
-              <a:chExt cx="7292976" cy="7604056"/>
+              <a:chExt cx="7218156" cy="7604056"/>
             </a:xfrm>
           </p:grpSpPr>
           <p:pic>
@@ -6314,14 +5876,13 @@
             </p:nvPicPr>
             <p:blipFill>
               <a:blip r:embed="rId3"/>
-              <a:stretch>
-                <a:fillRect/>
-              </a:stretch>
+              <a:srcRect/>
+              <a:stretch/>
             </p:blipFill>
             <p:spPr>
               <a:xfrm>
-                <a:off x="2457450" y="3302000"/>
-                <a:ext cx="7277100" cy="3556000"/>
+                <a:off x="2532270" y="3302000"/>
+                <a:ext cx="7127460" cy="3556000"/>
               </a:xfrm>
               <a:prstGeom prst="rect">
                 <a:avLst/>
